--- a/Crazy Putting Presentation.pptx
+++ b/Crazy Putting Presentation.pptx
@@ -6,10 +6,12 @@
   </p:sldMasterIdLst>
   <p:sldIdLst>
     <p:sldId id="256" r:id="rId2"/>
-    <p:sldId id="257" r:id="rId3"/>
-    <p:sldId id="258" r:id="rId4"/>
-    <p:sldId id="259" r:id="rId5"/>
-    <p:sldId id="260" r:id="rId6"/>
+    <p:sldId id="261" r:id="rId3"/>
+    <p:sldId id="257" r:id="rId4"/>
+    <p:sldId id="258" r:id="rId5"/>
+    <p:sldId id="259" r:id="rId6"/>
+    <p:sldId id="260" r:id="rId7"/>
+    <p:sldId id="262" r:id="rId8"/>
   </p:sldIdLst>
   <p:sldSz cx="12192000" cy="6858000"/>
   <p:notesSz cx="6858000" cy="9144000"/>
@@ -108,6 +110,11 @@
       </a:defRPr>
     </a:lvl9pPr>
   </p:defaultTextStyle>
+  <p:extLst>
+    <p:ext uri="{EFAFB233-063F-42B5-8137-9DF3F51BA10A}">
+      <p15:sldGuideLst xmlns:p15="http://schemas.microsoft.com/office/powerpoint/2012/main"/>
+    </p:ext>
+  </p:extLst>
 </p:presentation>
 </file>
 
@@ -355,7 +362,7 @@
           <a:p>
             <a:fld id="{9184DA70-C731-4C70-880D-CCD4705E623C}" type="datetime1">
               <a:rPr lang="en-US" smtClean="0"/>
-              <a:t>3/18/2020</a:t>
+              <a:t>3/19/2020</a:t>
             </a:fld>
             <a:endParaRPr lang="en-US" dirty="0"/>
           </a:p>
@@ -543,7 +550,7 @@
           <a:p>
             <a:fld id="{B612A279-0833-481D-8C56-F67FD0AC6C50}" type="datetime1">
               <a:rPr lang="en-US" smtClean="0"/>
-              <a:t>3/18/2020</a:t>
+              <a:t>3/19/2020</a:t>
             </a:fld>
             <a:endParaRPr lang="en-US" dirty="0"/>
           </a:p>
@@ -785,7 +792,7 @@
           <a:p>
             <a:fld id="{6587DA83-5663-4C9C-B9AA-0B40A3DAFF81}" type="datetime1">
               <a:rPr lang="en-US" smtClean="0"/>
-              <a:t>3/18/2020</a:t>
+              <a:t>3/19/2020</a:t>
             </a:fld>
             <a:endParaRPr lang="en-US" dirty="0"/>
           </a:p>
@@ -973,7 +980,7 @@
           <a:p>
             <a:fld id="{4BE1D723-8F53-4F53-90B0-1982A396982E}" type="datetime1">
               <a:rPr lang="en-US" smtClean="0"/>
-              <a:t>3/18/2020</a:t>
+              <a:t>3/19/2020</a:t>
             </a:fld>
             <a:endParaRPr lang="en-US" dirty="0"/>
           </a:p>
@@ -1346,7 +1353,7 @@
           <a:p>
             <a:fld id="{97669AF7-7BEB-44E4-9852-375E34362B5B}" type="datetime1">
               <a:rPr lang="en-US" smtClean="0"/>
-              <a:t>3/18/2020</a:t>
+              <a:t>3/19/2020</a:t>
             </a:fld>
             <a:endParaRPr lang="en-US" dirty="0"/>
           </a:p>
@@ -1601,7 +1608,7 @@
           <a:p>
             <a:fld id="{BAAAC38D-0552-4C82-B593-E6124DFADBE2}" type="datetime1">
               <a:rPr lang="en-US" smtClean="0"/>
-              <a:t>3/18/2020</a:t>
+              <a:t>3/19/2020</a:t>
             </a:fld>
             <a:endParaRPr lang="en-US" dirty="0"/>
           </a:p>
@@ -1998,7 +2005,7 @@
           <a:p>
             <a:fld id="{D9DF0F1C-5577-4ACB-BB62-DF8F3C494C7E}" type="datetime1">
               <a:rPr lang="en-US" smtClean="0"/>
-              <a:t>3/18/2020</a:t>
+              <a:t>3/19/2020</a:t>
             </a:fld>
             <a:endParaRPr lang="en-US" dirty="0"/>
           </a:p>
@@ -2134,7 +2141,7 @@
           <a:p>
             <a:fld id="{1775B394-D9F9-4F0C-B15D-605F45CB9E9F}" type="datetime1">
               <a:rPr lang="en-US" smtClean="0"/>
-              <a:t>3/18/2020</a:t>
+              <a:t>3/19/2020</a:t>
             </a:fld>
             <a:endParaRPr lang="en-US" dirty="0"/>
           </a:p>
@@ -2291,7 +2298,7 @@
           <a:p>
             <a:fld id="{39667345-2558-425A-8533-9BFDBCE15005}" type="datetime1">
               <a:rPr lang="en-US" smtClean="0"/>
-              <a:t>3/18/2020</a:t>
+              <a:t>3/19/2020</a:t>
             </a:fld>
             <a:endParaRPr lang="en-US" dirty="0"/>
           </a:p>
@@ -2620,7 +2627,7 @@
           <a:p>
             <a:fld id="{92BEA474-078D-4E9B-9B14-09A87B19DC46}" type="datetime1">
               <a:rPr lang="en-US" smtClean="0"/>
-              <a:t>3/18/2020</a:t>
+              <a:t>3/19/2020</a:t>
             </a:fld>
             <a:endParaRPr lang="en-US" dirty="0"/>
           </a:p>
@@ -2970,7 +2977,7 @@
           <a:p>
             <a:fld id="{4907D986-8816-4272-A432-0437A28A9828}" type="datetime1">
               <a:rPr lang="en-US" smtClean="0"/>
-              <a:t>3/18/2020</a:t>
+              <a:t>3/19/2020</a:t>
             </a:fld>
             <a:endParaRPr lang="en-US" dirty="0"/>
           </a:p>
@@ -3231,7 +3238,7 @@
           <a:p>
             <a:fld id="{62D6E202-B606-4609-B914-27C9371A1F6D}" type="datetime1">
               <a:rPr lang="en-US" smtClean="0"/>
-              <a:t>3/18/2020</a:t>
+              <a:t>3/19/2020</a:t>
             </a:fld>
             <a:endParaRPr lang="en-US" dirty="0"/>
           </a:p>
@@ -4273,12 +4280,12 @@
           <a:chExt cx="0" cy="0"/>
         </a:xfrm>
       </p:grpSpPr>
-      <p:sp useBgFill="1">
-        <p:nvSpPr>
-          <p:cNvPr id="16" name="Rectangle 15">
-            <a:extLst>
-              <a:ext uri="{FF2B5EF4-FFF2-40B4-BE49-F238E27FC236}">
-                <a16:creationId xmlns:a16="http://schemas.microsoft.com/office/drawing/2014/main" id="{F64BBAA4-C62B-4146-B49F-FE4CC4655EE0}"/>
+      <p:sp>
+        <p:nvSpPr>
+          <p:cNvPr id="19" name="Rectangle 18">
+            <a:extLst>
+              <a:ext uri="{FF2B5EF4-FFF2-40B4-BE49-F238E27FC236}">
+                <a16:creationId xmlns:a16="http://schemas.microsoft.com/office/drawing/2014/main" id="{E844E128-FF69-4E9F-8327-6B504B3C5AE1}"/>
               </a:ext>
               <a:ext uri="{C183D7F6-B498-43B3-948B-1728B52AA6E4}">
                 <adec:decorative xmlns:adec="http://schemas.microsoft.com/office/drawing/2017/decorative" val="1"/>
@@ -4296,14 +4303,20 @@
             </p:extLst>
           </p:nvPr>
         </p:nvSpPr>
-        <p:spPr>
-          <a:xfrm>
-            <a:off x="0" y="0"/>
-            <a:ext cx="12192001" cy="6858000"/>
+        <p:spPr bwMode="white">
+          <a:xfrm>
+            <a:off x="15" y="0"/>
+            <a:ext cx="12191985" cy="6858000"/>
           </a:xfrm>
           <a:prstGeom prst="rect">
             <a:avLst/>
           </a:prstGeom>
+          <a:solidFill>
+            <a:schemeClr val="bg1">
+              <a:lumMod val="85000"/>
+              <a:lumOff val="15000"/>
+            </a:schemeClr>
+          </a:solidFill>
           <a:ln>
             <a:noFill/>
           </a:ln>
@@ -4324,21 +4337,13 @@
             <a:schemeClr val="lt1"/>
           </a:fontRef>
         </p:style>
-        <p:txBody>
-          <a:bodyPr rtlCol="0" anchor="ctr"/>
-          <a:lstStyle/>
-          <a:p>
-            <a:pPr algn="ctr"/>
-            <a:endParaRPr lang="en-US"/>
-          </a:p>
-        </p:txBody>
       </p:sp>
       <p:sp>
         <p:nvSpPr>
           <p:cNvPr id="2" name="Title 1">
             <a:extLst>
               <a:ext uri="{FF2B5EF4-FFF2-40B4-BE49-F238E27FC236}">
-                <a16:creationId xmlns:a16="http://schemas.microsoft.com/office/drawing/2014/main" id="{78EB3A03-2F79-45ED-85CE-7F2C243FE857}"/>
+                <a16:creationId xmlns:a16="http://schemas.microsoft.com/office/drawing/2014/main" id="{70FE80E9-6355-4A39-8167-C9181A7990BE}"/>
               </a:ext>
             </a:extLst>
           </p:cNvPr>
@@ -4351,8 +4356,8 @@
         </p:nvSpPr>
         <p:spPr>
           <a:xfrm>
-            <a:off x="878911" y="643468"/>
-            <a:ext cx="3177847" cy="1674180"/>
+            <a:off x="1097280" y="516835"/>
+            <a:ext cx="5977937" cy="1666501"/>
           </a:xfrm>
         </p:spPr>
         <p:txBody>
@@ -4362,19 +4367,27 @@
           <a:lstStyle/>
           <a:p>
             <a:r>
-              <a:rPr lang="en-US" sz="4000" dirty="0"/>
-              <a:t>Physics</a:t>
-            </a:r>
-            <a:endParaRPr lang="nl-NL" sz="4000" dirty="0"/>
+              <a:rPr lang="en-US" sz="4000">
+                <a:solidFill>
+                  <a:schemeClr val="tx1"/>
+                </a:solidFill>
+              </a:rPr>
+              <a:t>LibGdx</a:t>
+            </a:r>
+            <a:endParaRPr lang="nl-NL" sz="4000">
+              <a:solidFill>
+                <a:schemeClr val="tx1"/>
+              </a:solidFill>
+            </a:endParaRPr>
           </a:p>
         </p:txBody>
       </p:sp>
       <p:cxnSp>
         <p:nvCxnSpPr>
-          <p:cNvPr id="18" name="Straight Connector 17">
-            <a:extLst>
-              <a:ext uri="{FF2B5EF4-FFF2-40B4-BE49-F238E27FC236}">
-                <a16:creationId xmlns:a16="http://schemas.microsoft.com/office/drawing/2014/main" id="{EEB57AA8-F021-480C-A9E2-F89913313611}"/>
+          <p:cNvPr id="21" name="Straight Connector 20">
+            <a:extLst>
+              <a:ext uri="{FF2B5EF4-FFF2-40B4-BE49-F238E27FC236}">
+                <a16:creationId xmlns:a16="http://schemas.microsoft.com/office/drawing/2014/main" id="{055CEADF-09EA-423C-8C45-F94AF44D5AF0}"/>
               </a:ext>
               <a:ext uri="{C183D7F6-B498-43B3-948B-1728B52AA6E4}">
                 <adec:decorative xmlns:adec="http://schemas.microsoft.com/office/drawing/2017/decorative" val="1"/>
@@ -4394,18 +4407,15 @@
         </p:nvCxnSpPr>
         <p:spPr>
           <a:xfrm>
-            <a:off x="962164" y="2478513"/>
-            <a:ext cx="2926080" cy="0"/>
+            <a:off x="1215896" y="2353592"/>
+            <a:ext cx="5303520" cy="0"/>
           </a:xfrm>
           <a:prstGeom prst="line">
             <a:avLst/>
           </a:prstGeom>
-          <a:ln>
+          <a:ln w="19050">
             <a:solidFill>
-              <a:schemeClr val="tx1">
-                <a:lumMod val="75000"/>
-                <a:lumOff val="25000"/>
-              </a:schemeClr>
+              <a:schemeClr val="accent1"/>
             </a:solidFill>
           </a:ln>
         </p:spPr>
@@ -4426,10 +4436,10 @@
       </p:cxnSp>
       <p:sp>
         <p:nvSpPr>
-          <p:cNvPr id="13" name="Content Placeholder 12">
-            <a:extLst>
-              <a:ext uri="{FF2B5EF4-FFF2-40B4-BE49-F238E27FC236}">
-                <a16:creationId xmlns:a16="http://schemas.microsoft.com/office/drawing/2014/main" id="{8A3A7E82-4090-4286-AB7A-5B2091D171A9}"/>
+          <p:cNvPr id="3" name="Content Placeholder 2">
+            <a:extLst>
+              <a:ext uri="{FF2B5EF4-FFF2-40B4-BE49-F238E27FC236}">
+                <a16:creationId xmlns:a16="http://schemas.microsoft.com/office/drawing/2014/main" id="{B428FDB5-8AC5-4FC9-B425-F686E7A8255C}"/>
               </a:ext>
             </a:extLst>
           </p:cNvPr>
@@ -4442,8 +4452,8 @@
         </p:nvSpPr>
         <p:spPr>
           <a:xfrm>
-            <a:off x="858064" y="2639380"/>
-            <a:ext cx="3205049" cy="3229714"/>
+            <a:off x="1097279" y="2546224"/>
+            <a:ext cx="5977938" cy="3342747"/>
           </a:xfrm>
         </p:spPr>
         <p:txBody>
@@ -4452,16 +4462,73 @@
           </a:bodyPr>
           <a:lstStyle/>
           <a:p>
-            <a:endParaRPr lang="en-US" dirty="0"/>
+            <a:r>
+              <a:rPr lang="en-US" sz="1800" dirty="0">
+                <a:solidFill>
+                  <a:schemeClr val="tx1"/>
+                </a:solidFill>
+              </a:rPr>
+              <a:t>- Game development framework for java</a:t>
+            </a:r>
+          </a:p>
+          <a:p>
+            <a:r>
+              <a:rPr lang="en-US" sz="1800" dirty="0">
+                <a:solidFill>
+                  <a:schemeClr val="tx1"/>
+                </a:solidFill>
+              </a:rPr>
+              <a:t>- Issues</a:t>
+            </a:r>
+          </a:p>
+          <a:p>
+            <a:pPr lvl="1"/>
+            <a:r>
+              <a:rPr lang="en-US" sz="1800" dirty="0">
+                <a:solidFill>
+                  <a:schemeClr val="tx1"/>
+                </a:solidFill>
+              </a:rPr>
+              <a:t>Bad documentation</a:t>
+            </a:r>
+          </a:p>
+          <a:p>
+            <a:pPr lvl="1"/>
+            <a:r>
+              <a:rPr lang="en-US" sz="1800" dirty="0">
+                <a:solidFill>
+                  <a:schemeClr val="tx1"/>
+                </a:solidFill>
+              </a:rPr>
+              <a:t>Lack of experience</a:t>
+            </a:r>
+          </a:p>
+          <a:p>
+            <a:pPr lvl="1"/>
+            <a:r>
+              <a:rPr lang="en-US" sz="1800" dirty="0">
+                <a:solidFill>
+                  <a:schemeClr val="tx1"/>
+                </a:solidFill>
+              </a:rPr>
+              <a:t>Lack of easy-to-use tools and helper functions</a:t>
+            </a:r>
+          </a:p>
+          <a:p>
+            <a:endParaRPr lang="nl-NL" sz="1800" dirty="0">
+              <a:solidFill>
+                <a:schemeClr val="tx1"/>
+              </a:solidFill>
+            </a:endParaRPr>
           </a:p>
         </p:txBody>
       </p:sp>
       <p:pic>
         <p:nvPicPr>
-          <p:cNvPr id="9" name="Content Placeholder 8" descr="A screenshot of a cell phone&#10;&#10;Description automatically generated">
-            <a:extLst>
-              <a:ext uri="{FF2B5EF4-FFF2-40B4-BE49-F238E27FC236}">
-                <a16:creationId xmlns:a16="http://schemas.microsoft.com/office/drawing/2014/main" id="{9DE4B15E-4976-4DE8-936D-CEFDDCCA5AC3}"/>
+          <p:cNvPr id="12" name="Picture 11" descr="A picture containing bottle&#10;&#10;Description automatically generated">
+            <a:extLst>
+              <a:ext uri="{FF2B5EF4-FFF2-40B4-BE49-F238E27FC236}">
+                <a16:creationId xmlns:a16="http://schemas.microsoft.com/office/drawing/2014/main" id="{42C8FBB2-07B8-4CA6-BF7E-80A35350F7B0}"/>
               </a:ext>
             </a:extLst>
           </p:cNvPr>
@@ -4487,78 +4554,224 @@
         </p:blipFill>
         <p:spPr>
           <a:xfrm>
-            <a:off x="4653447" y="1341676"/>
-            <a:ext cx="6892560" cy="3829200"/>
+            <a:off x="8264969" y="643467"/>
+            <a:ext cx="2624666" cy="2624666"/>
           </a:xfrm>
           <a:prstGeom prst="rect">
             <a:avLst/>
           </a:prstGeom>
         </p:spPr>
       </p:pic>
-      <p:sp>
-        <p:nvSpPr>
-          <p:cNvPr id="20" name="Rectangle 19">
-            <a:extLst>
-              <a:ext uri="{FF2B5EF4-FFF2-40B4-BE49-F238E27FC236}">
-                <a16:creationId xmlns:a16="http://schemas.microsoft.com/office/drawing/2014/main" id="{6BF36B24-6632-4516-9692-731462896C1F}"/>
-              </a:ext>
-              <a:ext uri="{C183D7F6-B498-43B3-948B-1728B52AA6E4}">
-                <adec:decorative xmlns:adec="http://schemas.microsoft.com/office/drawing/2017/decorative" val="1"/>
-              </a:ext>
-            </a:extLst>
-          </p:cNvPr>
-          <p:cNvSpPr>
-            <a:spLocks noGrp="1" noRot="1" noChangeAspect="1" noMove="1" noResize="1" noEditPoints="1" noAdjustHandles="1" noChangeArrowheads="1" noChangeShapeType="1" noTextEdit="1"/>
-          </p:cNvSpPr>
-          <p:nvPr>
-            <p:extLst>
-              <p:ext uri="{386F3935-93C4-4BCD-93E2-E3B085C9AB24}">
-                <p16:designElem xmlns:p16="http://schemas.microsoft.com/office/powerpoint/2015/main" val="1"/>
-              </p:ext>
-            </p:extLst>
-          </p:nvPr>
-        </p:nvSpPr>
-        <p:spPr>
-          <a:xfrm>
-            <a:off x="0" y="6400800"/>
-            <a:ext cx="12192000" cy="457200"/>
+      <p:pic>
+        <p:nvPicPr>
+          <p:cNvPr id="8" name="Picture 7" descr="A picture containing drawing, refrigerator&#10;&#10;Description automatically generated">
+            <a:extLst>
+              <a:ext uri="{FF2B5EF4-FFF2-40B4-BE49-F238E27FC236}">
+                <a16:creationId xmlns:a16="http://schemas.microsoft.com/office/drawing/2014/main" id="{28AC5CE9-AD78-4C27-A0C3-016AB436AD85}"/>
+              </a:ext>
+            </a:extLst>
+          </p:cNvPr>
+          <p:cNvPicPr>
+            <a:picLocks noChangeAspect="1"/>
+          </p:cNvPicPr>
+          <p:nvPr/>
+        </p:nvPicPr>
+        <p:blipFill>
+          <a:blip r:embed="rId4">
+            <a:extLst>
+              <a:ext uri="{28A0092B-C50C-407E-A947-70E740481C1C}">
+                <a14:useLocalDpi xmlns:a14="http://schemas.microsoft.com/office/drawing/2010/main" val="0"/>
+              </a:ext>
+              <a:ext uri="{837473B0-CC2E-450A-ABE3-18F120FF3D39}">
+                <a1611:picAttrSrcUrl xmlns:a1611="http://schemas.microsoft.com/office/drawing/2016/11/main" r:id="rId5"/>
+              </a:ext>
+            </a:extLst>
+          </a:blip>
+          <a:stretch>
+            <a:fillRect/>
+          </a:stretch>
+        </p:blipFill>
+        <p:spPr>
+          <a:xfrm>
+            <a:off x="7611905" y="3928276"/>
+            <a:ext cx="3936614" cy="1968307"/>
+          </a:xfrm>
+          <a:prstGeom prst="rect">
+            <a:avLst/>
+          </a:prstGeom>
+        </p:spPr>
+      </p:pic>
+      <p:sp>
+        <p:nvSpPr>
+          <p:cNvPr id="9" name="TextBox 8">
+            <a:extLst>
+              <a:ext uri="{FF2B5EF4-FFF2-40B4-BE49-F238E27FC236}">
+                <a16:creationId xmlns:a16="http://schemas.microsoft.com/office/drawing/2014/main" id="{1C365FCC-9EE0-4CC8-AD89-77A5486DFA76}"/>
+              </a:ext>
+            </a:extLst>
+          </p:cNvPr>
+          <p:cNvSpPr txBox="1"/>
+          <p:nvPr/>
+        </p:nvSpPr>
+        <p:spPr>
+          <a:xfrm>
+            <a:off x="9053926" y="5696528"/>
+            <a:ext cx="2494593" cy="200055"/>
           </a:xfrm>
           <a:prstGeom prst="rect">
             <a:avLst/>
           </a:prstGeom>
           <a:solidFill>
-            <a:srgbClr val="262626"/>
+            <a:srgbClr val="000000"/>
           </a:solidFill>
-          <a:ln>
-            <a:noFill/>
-          </a:ln>
-        </p:spPr>
-        <p:style>
-          <a:lnRef idx="2">
-            <a:schemeClr val="accent1">
-              <a:shade val="50000"/>
-            </a:schemeClr>
-          </a:lnRef>
-          <a:fillRef idx="1">
-            <a:schemeClr val="accent1"/>
-          </a:fillRef>
-          <a:effectRef idx="0">
-            <a:schemeClr val="accent1"/>
-          </a:effectRef>
-          <a:fontRef idx="minor">
-            <a:schemeClr val="lt1"/>
-          </a:fontRef>
-        </p:style>
+        </p:spPr>
+        <p:txBody>
+          <a:bodyPr wrap="none" rtlCol="0">
+            <a:spAutoFit/>
+          </a:bodyPr>
+          <a:lstStyle/>
+          <a:p>
+            <a:pPr algn="r">
+              <a:spcAft>
+                <a:spcPts val="600"/>
+              </a:spcAft>
+            </a:pPr>
+            <a:r>
+              <a:rPr lang="nl-NL" sz="700">
+                <a:solidFill>
+                  <a:srgbClr val="FFFFFF"/>
+                </a:solidFill>
+                <a:hlinkClick r:id="rId5" tooltip="http://www.magarciaguerra.com/2015/08/libgdx-una-interesante-opcion-multiplataforma/">
+                  <a:extLst>
+                    <a:ext uri="{A12FA001-AC4F-418D-AE19-62706E023703}">
+                      <ahyp:hlinkClr xmlns:ahyp="http://schemas.microsoft.com/office/drawing/2018/hyperlinkcolor" val="tx"/>
+                    </a:ext>
+                  </a:extLst>
+                </a:hlinkClick>
+              </a:rPr>
+              <a:t>This Photo</a:t>
+            </a:r>
+            <a:r>
+              <a:rPr lang="nl-NL" sz="700">
+                <a:solidFill>
+                  <a:srgbClr val="FFFFFF"/>
+                </a:solidFill>
+              </a:rPr>
+              <a:t> by Unknown Author is licensed under </a:t>
+            </a:r>
+            <a:r>
+              <a:rPr lang="nl-NL" sz="700">
+                <a:solidFill>
+                  <a:srgbClr val="FFFFFF"/>
+                </a:solidFill>
+                <a:hlinkClick r:id="rId6" tooltip="https://creativecommons.org/licenses/by-nc-sa/3.0/">
+                  <a:extLst>
+                    <a:ext uri="{A12FA001-AC4F-418D-AE19-62706E023703}">
+                      <ahyp:hlinkClr xmlns:ahyp="http://schemas.microsoft.com/office/drawing/2018/hyperlinkcolor" val="tx"/>
+                    </a:ext>
+                  </a:extLst>
+                </a:hlinkClick>
+              </a:rPr>
+              <a:t>CC BY-SA-NC</a:t>
+            </a:r>
+            <a:endParaRPr lang="nl-NL" sz="700">
+              <a:solidFill>
+                <a:srgbClr val="FFFFFF"/>
+              </a:solidFill>
+            </a:endParaRPr>
+          </a:p>
+        </p:txBody>
+      </p:sp>
+      <p:sp>
+        <p:nvSpPr>
+          <p:cNvPr id="14" name="TextBox 13">
+            <a:extLst>
+              <a:ext uri="{FF2B5EF4-FFF2-40B4-BE49-F238E27FC236}">
+                <a16:creationId xmlns:a16="http://schemas.microsoft.com/office/drawing/2014/main" id="{10109D06-74FB-43CD-97D2-5B2F78C38225}"/>
+              </a:ext>
+            </a:extLst>
+          </p:cNvPr>
+          <p:cNvSpPr txBox="1"/>
+          <p:nvPr/>
+        </p:nvSpPr>
+        <p:spPr>
+          <a:xfrm>
+            <a:off x="8528091" y="3068078"/>
+            <a:ext cx="2361544" cy="200055"/>
+          </a:xfrm>
+          <a:prstGeom prst="rect">
+            <a:avLst/>
+          </a:prstGeom>
+          <a:solidFill>
+            <a:srgbClr val="000000"/>
+          </a:solidFill>
+        </p:spPr>
+        <p:txBody>
+          <a:bodyPr wrap="none" rtlCol="0">
+            <a:spAutoFit/>
+          </a:bodyPr>
+          <a:lstStyle/>
+          <a:p>
+            <a:pPr algn="r">
+              <a:spcAft>
+                <a:spcPts val="600"/>
+              </a:spcAft>
+            </a:pPr>
+            <a:r>
+              <a:rPr lang="nl-NL" sz="700">
+                <a:solidFill>
+                  <a:srgbClr val="FFFFFF"/>
+                </a:solidFill>
+                <a:hlinkClick r:id="rId3" tooltip="https://gamedev.stackexchange.com/questions/87493/why-does-my-libgdx-app-just-display-the-badlogic-jpg-instead-of-my-start-screen">
+                  <a:extLst>
+                    <a:ext uri="{A12FA001-AC4F-418D-AE19-62706E023703}">
+                      <ahyp:hlinkClr xmlns:ahyp="http://schemas.microsoft.com/office/drawing/2018/hyperlinkcolor" val="tx"/>
+                    </a:ext>
+                  </a:extLst>
+                </a:hlinkClick>
+              </a:rPr>
+              <a:t>This Photo</a:t>
+            </a:r>
+            <a:r>
+              <a:rPr lang="nl-NL" sz="700">
+                <a:solidFill>
+                  <a:srgbClr val="FFFFFF"/>
+                </a:solidFill>
+              </a:rPr>
+              <a:t> by Unknown Author is licensed under </a:t>
+            </a:r>
+            <a:r>
+              <a:rPr lang="nl-NL" sz="700">
+                <a:solidFill>
+                  <a:srgbClr val="FFFFFF"/>
+                </a:solidFill>
+                <a:hlinkClick r:id="rId7" tooltip="https://creativecommons.org/licenses/by-sa/3.0/">
+                  <a:extLst>
+                    <a:ext uri="{A12FA001-AC4F-418D-AE19-62706E023703}">
+                      <ahyp:hlinkClr xmlns:ahyp="http://schemas.microsoft.com/office/drawing/2018/hyperlinkcolor" val="tx"/>
+                    </a:ext>
+                  </a:extLst>
+                </a:hlinkClick>
+              </a:rPr>
+              <a:t>CC BY-SA</a:t>
+            </a:r>
+            <a:endParaRPr lang="nl-NL" sz="700">
+              <a:solidFill>
+                <a:srgbClr val="FFFFFF"/>
+              </a:solidFill>
+            </a:endParaRPr>
+          </a:p>
+        </p:txBody>
       </p:sp>
     </p:spTree>
     <p:extLst>
       <p:ext uri="{BB962C8B-B14F-4D97-AF65-F5344CB8AC3E}">
-        <p14:creationId xmlns:p14="http://schemas.microsoft.com/office/powerpoint/2010/main" val="4208193639"/>
+        <p14:creationId xmlns:p14="http://schemas.microsoft.com/office/powerpoint/2010/main" val="4067778039"/>
       </p:ext>
     </p:extLst>
   </p:cSld>
   <p:clrMapOvr>
-    <a:masterClrMapping/>
+    <a:overrideClrMapping bg1="dk1" tx1="lt1" bg2="dk2" tx2="lt2" accent1="accent1" accent2="accent2" accent3="accent3" accent4="accent4" accent5="accent5" accent6="accent6" hlink="hlink" folHlink="folHlink"/>
   </p:clrMapOvr>
 </p:sld>
 </file>
@@ -4588,12 +4801,12 @@
           <a:chExt cx="0" cy="0"/>
         </a:xfrm>
       </p:grpSpPr>
-      <p:sp>
-        <p:nvSpPr>
-          <p:cNvPr id="30" name="Rectangle 29">
-            <a:extLst>
-              <a:ext uri="{FF2B5EF4-FFF2-40B4-BE49-F238E27FC236}">
-                <a16:creationId xmlns:a16="http://schemas.microsoft.com/office/drawing/2014/main" id="{39E3965E-AC41-4711-9D10-E25ABB132D86}"/>
+      <p:sp useBgFill="1">
+        <p:nvSpPr>
+          <p:cNvPr id="16" name="Rectangle 15">
+            <a:extLst>
+              <a:ext uri="{FF2B5EF4-FFF2-40B4-BE49-F238E27FC236}">
+                <a16:creationId xmlns:a16="http://schemas.microsoft.com/office/drawing/2014/main" id="{F64BBAA4-C62B-4146-B49F-FE4CC4655EE0}"/>
               </a:ext>
               <a:ext uri="{C183D7F6-B498-43B3-948B-1728B52AA6E4}">
                 <adec:decorative xmlns:adec="http://schemas.microsoft.com/office/drawing/2017/decorative" val="1"/>
@@ -4613,15 +4826,12 @@
         </p:nvSpPr>
         <p:spPr>
           <a:xfrm>
-            <a:off x="3175" y="6400800"/>
-            <a:ext cx="12188825" cy="457200"/>
+            <a:off x="0" y="0"/>
+            <a:ext cx="12192001" cy="6858000"/>
           </a:xfrm>
           <a:prstGeom prst="rect">
             <a:avLst/>
           </a:prstGeom>
-          <a:solidFill>
-            <a:srgbClr val="262626"/>
-          </a:solidFill>
           <a:ln>
             <a:noFill/>
           </a:ln>
@@ -4642,13 +4852,57 @@
             <a:schemeClr val="lt1"/>
           </a:fontRef>
         </p:style>
+        <p:txBody>
+          <a:bodyPr rtlCol="0" anchor="ctr"/>
+          <a:lstStyle/>
+          <a:p>
+            <a:pPr algn="ctr"/>
+            <a:endParaRPr lang="en-US"/>
+          </a:p>
+        </p:txBody>
+      </p:sp>
+      <p:sp>
+        <p:nvSpPr>
+          <p:cNvPr id="2" name="Title 1">
+            <a:extLst>
+              <a:ext uri="{FF2B5EF4-FFF2-40B4-BE49-F238E27FC236}">
+                <a16:creationId xmlns:a16="http://schemas.microsoft.com/office/drawing/2014/main" id="{78EB3A03-2F79-45ED-85CE-7F2C243FE857}"/>
+              </a:ext>
+            </a:extLst>
+          </p:cNvPr>
+          <p:cNvSpPr>
+            <a:spLocks noGrp="1"/>
+          </p:cNvSpPr>
+          <p:nvPr>
+            <p:ph type="title"/>
+          </p:nvPr>
+        </p:nvSpPr>
+        <p:spPr>
+          <a:xfrm>
+            <a:off x="878911" y="643468"/>
+            <a:ext cx="3177847" cy="1674180"/>
+          </a:xfrm>
+        </p:spPr>
+        <p:txBody>
+          <a:bodyPr>
+            <a:normAutofit/>
+          </a:bodyPr>
+          <a:lstStyle/>
+          <a:p>
+            <a:r>
+              <a:rPr lang="en-US" sz="4000" dirty="0"/>
+              <a:t>Physics</a:t>
+            </a:r>
+            <a:endParaRPr lang="nl-NL" sz="4000" dirty="0"/>
+          </a:p>
+        </p:txBody>
       </p:sp>
       <p:cxnSp>
         <p:nvCxnSpPr>
-          <p:cNvPr id="32" name="Straight Connector 31">
-            <a:extLst>
-              <a:ext uri="{FF2B5EF4-FFF2-40B4-BE49-F238E27FC236}">
-                <a16:creationId xmlns:a16="http://schemas.microsoft.com/office/drawing/2014/main" id="{1F5DC8C3-BA5F-4EED-BB9A-A14272BD82A1}"/>
+          <p:cNvPr id="18" name="Straight Connector 17">
+            <a:extLst>
+              <a:ext uri="{FF2B5EF4-FFF2-40B4-BE49-F238E27FC236}">
+                <a16:creationId xmlns:a16="http://schemas.microsoft.com/office/drawing/2014/main" id="{EEB57AA8-F021-480C-A9E2-F89913313611}"/>
               </a:ext>
               <a:ext uri="{C183D7F6-B498-43B3-948B-1728B52AA6E4}">
                 <adec:decorative xmlns:adec="http://schemas.microsoft.com/office/drawing/2017/decorative" val="1"/>
@@ -4668,13 +4922,13 @@
         </p:nvCxnSpPr>
         <p:spPr>
           <a:xfrm>
-            <a:off x="1207658" y="4474741"/>
-            <a:ext cx="9875520" cy="0"/>
+            <a:off x="962164" y="2478513"/>
+            <a:ext cx="2926080" cy="0"/>
           </a:xfrm>
           <a:prstGeom prst="line">
             <a:avLst/>
           </a:prstGeom>
-          <a:ln w="12700">
+          <a:ln>
             <a:solidFill>
               <a:schemeClr val="tx1">
                 <a:lumMod val="75000"/>
@@ -4700,10 +4954,131 @@
       </p:cxnSp>
       <p:sp>
         <p:nvSpPr>
-          <p:cNvPr id="34" name="Rectangle 33">
-            <a:extLst>
-              <a:ext uri="{FF2B5EF4-FFF2-40B4-BE49-F238E27FC236}">
-                <a16:creationId xmlns:a16="http://schemas.microsoft.com/office/drawing/2014/main" id="{0AF4F2BA-3C03-4E2C-8ABC-0949B61B3C5E}"/>
+          <p:cNvPr id="13" name="Content Placeholder 12">
+            <a:extLst>
+              <a:ext uri="{FF2B5EF4-FFF2-40B4-BE49-F238E27FC236}">
+                <a16:creationId xmlns:a16="http://schemas.microsoft.com/office/drawing/2014/main" id="{8A3A7E82-4090-4286-AB7A-5B2091D171A9}"/>
+              </a:ext>
+            </a:extLst>
+          </p:cNvPr>
+          <p:cNvSpPr>
+            <a:spLocks noGrp="1"/>
+          </p:cNvSpPr>
+          <p:nvPr>
+            <p:ph idx="1"/>
+          </p:nvPr>
+        </p:nvSpPr>
+        <p:spPr>
+          <a:xfrm>
+            <a:off x="858064" y="2639380"/>
+            <a:ext cx="3205049" cy="3229714"/>
+          </a:xfrm>
+        </p:spPr>
+        <p:txBody>
+          <a:bodyPr>
+            <a:normAutofit/>
+          </a:bodyPr>
+          <a:lstStyle/>
+          <a:p>
+            <a:r>
+              <a:rPr lang="en-US" dirty="0"/>
+              <a:t>- Reformat given formula</a:t>
+            </a:r>
+          </a:p>
+          <a:p>
+            <a:r>
+              <a:rPr lang="en-US" dirty="0"/>
+              <a:t>- </a:t>
+            </a:r>
+            <a:r>
+              <a:rPr lang="nl-NL" dirty="0" err="1"/>
+              <a:t>Shunting</a:t>
+            </a:r>
+            <a:r>
+              <a:rPr lang="nl-NL" dirty="0"/>
+              <a:t>-yard</a:t>
+            </a:r>
+          </a:p>
+          <a:p>
+            <a:r>
+              <a:rPr lang="nl-NL" dirty="0"/>
+              <a:t>- </a:t>
+            </a:r>
+            <a:r>
+              <a:rPr lang="nl-NL" dirty="0" err="1"/>
+              <a:t>Implementing</a:t>
+            </a:r>
+            <a:r>
+              <a:rPr lang="nl-NL" dirty="0"/>
+              <a:t> </a:t>
+            </a:r>
+            <a:r>
+              <a:rPr lang="nl-NL" dirty="0" err="1"/>
+              <a:t>the</a:t>
+            </a:r>
+            <a:r>
+              <a:rPr lang="nl-NL" dirty="0"/>
+              <a:t> </a:t>
+            </a:r>
+            <a:r>
+              <a:rPr lang="nl-NL" dirty="0" err="1"/>
+              <a:t>equations</a:t>
+            </a:r>
+            <a:endParaRPr lang="nl-NL" dirty="0"/>
+          </a:p>
+          <a:p>
+            <a:endParaRPr lang="nl-NL" b="1" dirty="0"/>
+          </a:p>
+          <a:p>
+            <a:endParaRPr lang="en-US" dirty="0"/>
+          </a:p>
+        </p:txBody>
+      </p:sp>
+      <p:pic>
+        <p:nvPicPr>
+          <p:cNvPr id="9" name="Content Placeholder 8" descr="A screenshot of a cell phone&#10;&#10;Description automatically generated">
+            <a:extLst>
+              <a:ext uri="{FF2B5EF4-FFF2-40B4-BE49-F238E27FC236}">
+                <a16:creationId xmlns:a16="http://schemas.microsoft.com/office/drawing/2014/main" id="{9DE4B15E-4976-4DE8-936D-CEFDDCCA5AC3}"/>
+              </a:ext>
+            </a:extLst>
+          </p:cNvPr>
+          <p:cNvPicPr>
+            <a:picLocks noChangeAspect="1"/>
+          </p:cNvPicPr>
+          <p:nvPr/>
+        </p:nvPicPr>
+        <p:blipFill>
+          <a:blip r:embed="rId2">
+            <a:extLst>
+              <a:ext uri="{28A0092B-C50C-407E-A947-70E740481C1C}">
+                <a14:useLocalDpi xmlns:a14="http://schemas.microsoft.com/office/drawing/2010/main" val="0"/>
+              </a:ext>
+              <a:ext uri="{837473B0-CC2E-450A-ABE3-18F120FF3D39}">
+                <a1611:picAttrSrcUrl xmlns:a1611="http://schemas.microsoft.com/office/drawing/2016/11/main" r:id="rId3"/>
+              </a:ext>
+            </a:extLst>
+          </a:blip>
+          <a:stretch>
+            <a:fillRect/>
+          </a:stretch>
+        </p:blipFill>
+        <p:spPr>
+          <a:xfrm>
+            <a:off x="7685021" y="3841919"/>
+            <a:ext cx="3648915" cy="2027175"/>
+          </a:xfrm>
+          <a:prstGeom prst="rect">
+            <a:avLst/>
+          </a:prstGeom>
+        </p:spPr>
+      </p:pic>
+      <p:sp>
+        <p:nvSpPr>
+          <p:cNvPr id="20" name="Rectangle 19">
+            <a:extLst>
+              <a:ext uri="{FF2B5EF4-FFF2-40B4-BE49-F238E27FC236}">
+                <a16:creationId xmlns:a16="http://schemas.microsoft.com/office/drawing/2014/main" id="{6BF36B24-6632-4516-9692-731462896C1F}"/>
               </a:ext>
               <a:ext uri="{C183D7F6-B498-43B3-948B-1728B52AA6E4}">
                 <adec:decorative xmlns:adec="http://schemas.microsoft.com/office/drawing/2017/decorative" val="1"/>
@@ -4723,14 +5098,14 @@
         </p:nvSpPr>
         <p:spPr>
           <a:xfrm>
-            <a:off x="0" y="0"/>
-            <a:ext cx="12192000" cy="6858000"/>
+            <a:off x="0" y="6400800"/>
+            <a:ext cx="12192000" cy="457200"/>
           </a:xfrm>
           <a:prstGeom prst="rect">
             <a:avLst/>
           </a:prstGeom>
           <a:solidFill>
-            <a:srgbClr val="000000"/>
+            <a:srgbClr val="262626"/>
           </a:solidFill>
           <a:ln>
             <a:noFill/>
@@ -4752,322 +5127,11 @@
             <a:schemeClr val="lt1"/>
           </a:fontRef>
         </p:style>
-        <p:txBody>
-          <a:bodyPr rtlCol="0" anchor="ctr"/>
-          <a:lstStyle/>
-          <a:p>
-            <a:pPr algn="ctr"/>
-            <a:endParaRPr lang="en-US"/>
-          </a:p>
-        </p:txBody>
-      </p:sp>
-      <p:pic>
-        <p:nvPicPr>
-          <p:cNvPr id="12" name="Content Placeholder 11" descr="A close up of a wire fence&#10;&#10;Description automatically generated">
-            <a:extLst>
-              <a:ext uri="{FF2B5EF4-FFF2-40B4-BE49-F238E27FC236}">
-                <a16:creationId xmlns:a16="http://schemas.microsoft.com/office/drawing/2014/main" id="{D0662B88-BFC3-4832-BEAE-055F4B6B27C1}"/>
-              </a:ext>
-            </a:extLst>
-          </p:cNvPr>
-          <p:cNvPicPr>
-            <a:picLocks noGrp="1" noChangeAspect="1"/>
-          </p:cNvPicPr>
-          <p:nvPr>
-            <p:ph idx="1"/>
-          </p:nvPr>
-        </p:nvPicPr>
-        <p:blipFill rotWithShape="1">
-          <a:blip r:embed="rId2">
-            <a:alphaModFix/>
-            <a:extLst>
-              <a:ext uri="{28A0092B-C50C-407E-A947-70E740481C1C}">
-                <a14:useLocalDpi xmlns:a14="http://schemas.microsoft.com/office/drawing/2010/main" val="0"/>
-              </a:ext>
-              <a:ext uri="{837473B0-CC2E-450A-ABE3-18F120FF3D39}">
-                <a1611:picAttrSrcUrl xmlns:a1611="http://schemas.microsoft.com/office/drawing/2016/11/main" r:id="rId3"/>
-              </a:ext>
-            </a:extLst>
-          </a:blip>
-          <a:srcRect/>
-          <a:stretch/>
-        </p:blipFill>
-        <p:spPr>
-          <a:xfrm>
-            <a:off x="20" y="10"/>
-            <a:ext cx="12191980" cy="6857990"/>
-          </a:xfrm>
-          <a:prstGeom prst="rect">
-            <a:avLst/>
-          </a:prstGeom>
-        </p:spPr>
-      </p:pic>
-      <p:sp>
-        <p:nvSpPr>
-          <p:cNvPr id="36" name="Rectangle 35">
-            <a:extLst>
-              <a:ext uri="{FF2B5EF4-FFF2-40B4-BE49-F238E27FC236}">
-                <a16:creationId xmlns:a16="http://schemas.microsoft.com/office/drawing/2014/main" id="{4B986F88-1433-4AF7-AF71-41A89DC93F15}"/>
-              </a:ext>
-              <a:ext uri="{C183D7F6-B498-43B3-948B-1728B52AA6E4}">
-                <adec:decorative xmlns:adec="http://schemas.microsoft.com/office/drawing/2017/decorative" val="1"/>
-              </a:ext>
-            </a:extLst>
-          </p:cNvPr>
-          <p:cNvSpPr>
-            <a:spLocks noGrp="1" noRot="1" noChangeAspect="1" noMove="1" noResize="1" noEditPoints="1" noAdjustHandles="1" noChangeArrowheads="1" noChangeShapeType="1" noTextEdit="1"/>
-          </p:cNvSpPr>
-          <p:nvPr>
-            <p:extLst>
-              <p:ext uri="{386F3935-93C4-4BCD-93E2-E3B085C9AB24}">
-                <p16:designElem xmlns:p16="http://schemas.microsoft.com/office/powerpoint/2015/main" val="1"/>
-              </p:ext>
-            </p:extLst>
-          </p:nvPr>
-        </p:nvSpPr>
-        <p:spPr>
-          <a:xfrm>
-            <a:off x="0" y="2207602"/>
-            <a:ext cx="12191999" cy="3162146"/>
-          </a:xfrm>
-          <a:prstGeom prst="rect">
-            <a:avLst/>
-          </a:prstGeom>
-          <a:gradFill flip="none" rotWithShape="1">
-            <a:gsLst>
-              <a:gs pos="46064">
-                <a:srgbClr val="000000">
-                  <a:alpha val="30000"/>
-                </a:srgbClr>
-              </a:gs>
-              <a:gs pos="68000">
-                <a:srgbClr val="000000">
-                  <a:alpha val="20000"/>
-                </a:srgbClr>
-              </a:gs>
-              <a:gs pos="0">
-                <a:schemeClr val="tx1">
-                  <a:alpha val="0"/>
-                </a:schemeClr>
-              </a:gs>
-              <a:gs pos="26000">
-                <a:schemeClr val="tx1">
-                  <a:alpha val="20000"/>
-                </a:schemeClr>
-              </a:gs>
-              <a:gs pos="100000">
-                <a:schemeClr val="tx1">
-                  <a:alpha val="0"/>
-                </a:schemeClr>
-              </a:gs>
-            </a:gsLst>
-            <a:lin ang="16200000" scaled="1"/>
-            <a:tileRect/>
-          </a:gradFill>
-          <a:ln>
-            <a:noFill/>
-          </a:ln>
-        </p:spPr>
-        <p:style>
-          <a:lnRef idx="2">
-            <a:schemeClr val="accent1">
-              <a:shade val="50000"/>
-            </a:schemeClr>
-          </a:lnRef>
-          <a:fillRef idx="1">
-            <a:schemeClr val="accent1"/>
-          </a:fillRef>
-          <a:effectRef idx="0">
-            <a:schemeClr val="accent1"/>
-          </a:effectRef>
-          <a:fontRef idx="minor">
-            <a:schemeClr val="lt1"/>
-          </a:fontRef>
-        </p:style>
-        <p:txBody>
-          <a:bodyPr rtlCol="0" anchor="ctr"/>
-          <a:lstStyle/>
-          <a:p>
-            <a:pPr algn="ctr"/>
-            <a:endParaRPr lang="en-US"/>
-          </a:p>
-        </p:txBody>
-      </p:sp>
-      <p:sp>
-        <p:nvSpPr>
-          <p:cNvPr id="2" name="Title 1">
-            <a:extLst>
-              <a:ext uri="{FF2B5EF4-FFF2-40B4-BE49-F238E27FC236}">
-                <a16:creationId xmlns:a16="http://schemas.microsoft.com/office/drawing/2014/main" id="{083C899B-93E9-43CE-AABE-EF183812937F}"/>
-              </a:ext>
-            </a:extLst>
-          </p:cNvPr>
-          <p:cNvSpPr>
-            <a:spLocks noGrp="1"/>
-          </p:cNvSpPr>
-          <p:nvPr>
-            <p:ph type="title"/>
-          </p:nvPr>
-        </p:nvSpPr>
-        <p:spPr>
-          <a:xfrm>
-            <a:off x="1097280" y="758952"/>
-            <a:ext cx="10058400" cy="3566160"/>
-          </a:xfrm>
-        </p:spPr>
-        <p:txBody>
-          <a:bodyPr vert="horz" lIns="91440" tIns="45720" rIns="91440" bIns="45720" rtlCol="0" anchor="b">
-            <a:normAutofit/>
-          </a:bodyPr>
-          <a:lstStyle/>
-          <a:p>
-            <a:r>
-              <a:rPr lang="en-US" sz="8000">
-                <a:solidFill>
-                  <a:srgbClr val="FFFFFF"/>
-                </a:solidFill>
-              </a:rPr>
-              <a:t>Terrain</a:t>
-            </a:r>
-          </a:p>
-        </p:txBody>
-      </p:sp>
-      <p:cxnSp>
-        <p:nvCxnSpPr>
-          <p:cNvPr id="38" name="Straight Connector 37">
-            <a:extLst>
-              <a:ext uri="{FF2B5EF4-FFF2-40B4-BE49-F238E27FC236}">
-                <a16:creationId xmlns:a16="http://schemas.microsoft.com/office/drawing/2014/main" id="{A07787ED-5EDC-4C54-AD87-55B60D0FE397}"/>
-              </a:ext>
-              <a:ext uri="{C183D7F6-B498-43B3-948B-1728B52AA6E4}">
-                <adec:decorative xmlns:adec="http://schemas.microsoft.com/office/drawing/2017/decorative" val="1"/>
-              </a:ext>
-            </a:extLst>
-          </p:cNvPr>
-          <p:cNvCxnSpPr>
-            <a:cxnSpLocks noGrp="1" noRot="1" noChangeAspect="1" noMove="1" noResize="1" noEditPoints="1" noAdjustHandles="1" noChangeArrowheads="1" noChangeShapeType="1"/>
-          </p:cNvCxnSpPr>
-          <p:nvPr>
-            <p:extLst>
-              <p:ext uri="{386F3935-93C4-4BCD-93E2-E3B085C9AB24}">
-                <p16:designElem xmlns:p16="http://schemas.microsoft.com/office/powerpoint/2015/main" val="1"/>
-              </p:ext>
-            </p:extLst>
-          </p:nvPr>
-        </p:nvCxnSpPr>
-        <p:spPr>
-          <a:xfrm>
-            <a:off x="1207658" y="4474741"/>
-            <a:ext cx="9875520" cy="0"/>
-          </a:xfrm>
-          <a:prstGeom prst="line">
-            <a:avLst/>
-          </a:prstGeom>
-          <a:ln w="12700">
-            <a:solidFill>
-              <a:srgbClr val="FFFFFF"/>
-            </a:solidFill>
-          </a:ln>
-        </p:spPr>
-        <p:style>
-          <a:lnRef idx="1">
-            <a:schemeClr val="accent1"/>
-          </a:lnRef>
-          <a:fillRef idx="0">
-            <a:schemeClr val="accent1"/>
-          </a:fillRef>
-          <a:effectRef idx="0">
-            <a:schemeClr val="accent1"/>
-          </a:effectRef>
-          <a:fontRef idx="minor">
-            <a:schemeClr val="tx1"/>
-          </a:fontRef>
-        </p:style>
-      </p:cxnSp>
-      <p:sp>
-        <p:nvSpPr>
-          <p:cNvPr id="40" name="Rectangle 39">
-            <a:extLst>
-              <a:ext uri="{FF2B5EF4-FFF2-40B4-BE49-F238E27FC236}">
-                <a16:creationId xmlns:a16="http://schemas.microsoft.com/office/drawing/2014/main" id="{A44FFD5D-B985-4624-BBCD-50AD2E1686B4}"/>
-              </a:ext>
-              <a:ext uri="{C183D7F6-B498-43B3-948B-1728B52AA6E4}">
-                <adec:decorative xmlns:adec="http://schemas.microsoft.com/office/drawing/2017/decorative" val="1"/>
-              </a:ext>
-            </a:extLst>
-          </p:cNvPr>
-          <p:cNvSpPr>
-            <a:spLocks noGrp="1" noRot="1" noChangeAspect="1" noMove="1" noResize="1" noEditPoints="1" noAdjustHandles="1" noChangeArrowheads="1" noChangeShapeType="1" noTextEdit="1"/>
-          </p:cNvSpPr>
-          <p:nvPr>
-            <p:extLst>
-              <p:ext uri="{386F3935-93C4-4BCD-93E2-E3B085C9AB24}">
-                <p16:designElem xmlns:p16="http://schemas.microsoft.com/office/powerpoint/2015/main" val="1"/>
-              </p:ext>
-            </p:extLst>
-          </p:nvPr>
-        </p:nvSpPr>
-        <p:spPr>
-          <a:xfrm>
-            <a:off x="-2307" y="6400798"/>
-            <a:ext cx="12188952" cy="457201"/>
-          </a:xfrm>
-          <a:prstGeom prst="rect">
-            <a:avLst/>
-          </a:prstGeom>
-          <a:gradFill>
-            <a:gsLst>
-              <a:gs pos="61000">
-                <a:srgbClr val="000000">
-                  <a:alpha val="10000"/>
-                </a:srgbClr>
-              </a:gs>
-              <a:gs pos="7000">
-                <a:schemeClr val="tx1">
-                  <a:alpha val="0"/>
-                </a:schemeClr>
-              </a:gs>
-              <a:gs pos="100000">
-                <a:schemeClr val="tx1">
-                  <a:alpha val="40000"/>
-                </a:schemeClr>
-              </a:gs>
-            </a:gsLst>
-            <a:lin ang="5400000" scaled="1"/>
-          </a:gradFill>
-          <a:ln>
-            <a:noFill/>
-          </a:ln>
-        </p:spPr>
-        <p:style>
-          <a:lnRef idx="2">
-            <a:schemeClr val="accent1">
-              <a:shade val="50000"/>
-            </a:schemeClr>
-          </a:lnRef>
-          <a:fillRef idx="1">
-            <a:schemeClr val="accent1"/>
-          </a:fillRef>
-          <a:effectRef idx="0">
-            <a:schemeClr val="accent1"/>
-          </a:effectRef>
-          <a:fontRef idx="minor">
-            <a:schemeClr val="lt1"/>
-          </a:fontRef>
-        </p:style>
-        <p:txBody>
-          <a:bodyPr rtlCol="0" anchor="ctr"/>
-          <a:lstStyle/>
-          <a:p>
-            <a:pPr algn="ctr"/>
-            <a:endParaRPr lang="en-US"/>
-          </a:p>
-        </p:txBody>
       </p:sp>
     </p:spTree>
     <p:extLst>
       <p:ext uri="{BB962C8B-B14F-4D97-AF65-F5344CB8AC3E}">
-        <p14:creationId xmlns:p14="http://schemas.microsoft.com/office/powerpoint/2010/main" val="853921574"/>
+        <p14:creationId xmlns:p14="http://schemas.microsoft.com/office/powerpoint/2010/main" val="4208193639"/>
       </p:ext>
     </p:extLst>
   </p:cSld>
@@ -5104,10 +5168,10 @@
       </p:grpSpPr>
       <p:sp>
         <p:nvSpPr>
-          <p:cNvPr id="16" name="Rectangle 15">
-            <a:extLst>
-              <a:ext uri="{FF2B5EF4-FFF2-40B4-BE49-F238E27FC236}">
-                <a16:creationId xmlns:a16="http://schemas.microsoft.com/office/drawing/2014/main" id="{39E3965E-AC41-4711-9D10-E25ABB132D86}"/>
+          <p:cNvPr id="47" name="Rectangle 46">
+            <a:extLst>
+              <a:ext uri="{FF2B5EF4-FFF2-40B4-BE49-F238E27FC236}">
+                <a16:creationId xmlns:a16="http://schemas.microsoft.com/office/drawing/2014/main" id="{E844E128-FF69-4E9F-8327-6B504B3C5AE1}"/>
               </a:ext>
               <a:ext uri="{C183D7F6-B498-43B3-948B-1728B52AA6E4}">
                 <adec:decorative xmlns:adec="http://schemas.microsoft.com/office/drawing/2017/decorative" val="1"/>
@@ -5125,10 +5189,10 @@
             </p:extLst>
           </p:nvPr>
         </p:nvSpPr>
-        <p:spPr>
-          <a:xfrm>
-            <a:off x="3175" y="6400800"/>
-            <a:ext cx="12188825" cy="457200"/>
+        <p:spPr bwMode="white">
+          <a:xfrm>
+            <a:off x="15" y="0"/>
+            <a:ext cx="12191985" cy="6858000"/>
           </a:xfrm>
           <a:prstGeom prst="rect">
             <a:avLst/>
@@ -5157,12 +5221,51 @@
           </a:fontRef>
         </p:style>
       </p:sp>
+      <p:sp>
+        <p:nvSpPr>
+          <p:cNvPr id="2" name="Title 1">
+            <a:extLst>
+              <a:ext uri="{FF2B5EF4-FFF2-40B4-BE49-F238E27FC236}">
+                <a16:creationId xmlns:a16="http://schemas.microsoft.com/office/drawing/2014/main" id="{083C899B-93E9-43CE-AABE-EF183812937F}"/>
+              </a:ext>
+            </a:extLst>
+          </p:cNvPr>
+          <p:cNvSpPr>
+            <a:spLocks noGrp="1"/>
+          </p:cNvSpPr>
+          <p:nvPr>
+            <p:ph type="title"/>
+          </p:nvPr>
+        </p:nvSpPr>
+        <p:spPr>
+          <a:xfrm>
+            <a:off x="643467" y="516835"/>
+            <a:ext cx="3448259" cy="1666501"/>
+          </a:xfrm>
+        </p:spPr>
+        <p:txBody>
+          <a:bodyPr vert="horz" lIns="91440" tIns="45720" rIns="91440" bIns="45720" rtlCol="0">
+            <a:normAutofit/>
+          </a:bodyPr>
+          <a:lstStyle/>
+          <a:p>
+            <a:r>
+              <a:rPr lang="en-US" sz="4000">
+                <a:solidFill>
+                  <a:srgbClr val="FFFFFF"/>
+                </a:solidFill>
+              </a:rPr>
+              <a:t>Terrain</a:t>
+            </a:r>
+          </a:p>
+        </p:txBody>
+      </p:sp>
       <p:cxnSp>
         <p:nvCxnSpPr>
-          <p:cNvPr id="18" name="Straight Connector 17">
-            <a:extLst>
-              <a:ext uri="{FF2B5EF4-FFF2-40B4-BE49-F238E27FC236}">
-                <a16:creationId xmlns:a16="http://schemas.microsoft.com/office/drawing/2014/main" id="{1F5DC8C3-BA5F-4EED-BB9A-A14272BD82A1}"/>
+          <p:cNvPr id="49" name="Straight Connector 48">
+            <a:extLst>
+              <a:ext uri="{FF2B5EF4-FFF2-40B4-BE49-F238E27FC236}">
+                <a16:creationId xmlns:a16="http://schemas.microsoft.com/office/drawing/2014/main" id="{055CEADF-09EA-423C-8C45-F94AF44D5AF0}"/>
               </a:ext>
               <a:ext uri="{C183D7F6-B498-43B3-948B-1728B52AA6E4}">
                 <adec:decorative xmlns:adec="http://schemas.microsoft.com/office/drawing/2017/decorative" val="1"/>
@@ -5182,18 +5285,15 @@
         </p:nvCxnSpPr>
         <p:spPr>
           <a:xfrm>
-            <a:off x="1207658" y="4474741"/>
-            <a:ext cx="9875520" cy="0"/>
+            <a:off x="723686" y="2353592"/>
+            <a:ext cx="3291840" cy="0"/>
           </a:xfrm>
           <a:prstGeom prst="line">
             <a:avLst/>
           </a:prstGeom>
-          <a:ln w="12700">
+          <a:ln w="19050">
             <a:solidFill>
-              <a:schemeClr val="tx1">
-                <a:lumMod val="75000"/>
-                <a:lumOff val="25000"/>
-              </a:schemeClr>
+              <a:schemeClr val="accent1"/>
             </a:solidFill>
           </a:ln>
         </p:spPr>
@@ -5214,330 +5314,63 @@
       </p:cxnSp>
       <p:sp>
         <p:nvSpPr>
-          <p:cNvPr id="20" name="Rectangle 19">
-            <a:extLst>
-              <a:ext uri="{FF2B5EF4-FFF2-40B4-BE49-F238E27FC236}">
-                <a16:creationId xmlns:a16="http://schemas.microsoft.com/office/drawing/2014/main" id="{0AF4F2BA-3C03-4E2C-8ABC-0949B61B3C5E}"/>
-              </a:ext>
-              <a:ext uri="{C183D7F6-B498-43B3-948B-1728B52AA6E4}">
-                <adec:decorative xmlns:adec="http://schemas.microsoft.com/office/drawing/2017/decorative" val="1"/>
-              </a:ext>
-            </a:extLst>
-          </p:cNvPr>
-          <p:cNvSpPr>
-            <a:spLocks noGrp="1" noRot="1" noChangeAspect="1" noMove="1" noResize="1" noEditPoints="1" noAdjustHandles="1" noChangeArrowheads="1" noChangeShapeType="1" noTextEdit="1"/>
-          </p:cNvSpPr>
-          <p:nvPr>
-            <p:extLst>
-              <p:ext uri="{386F3935-93C4-4BCD-93E2-E3B085C9AB24}">
-                <p16:designElem xmlns:p16="http://schemas.microsoft.com/office/powerpoint/2015/main" val="1"/>
-              </p:ext>
-            </p:extLst>
-          </p:nvPr>
-        </p:nvSpPr>
-        <p:spPr>
-          <a:xfrm>
-            <a:off x="0" y="0"/>
-            <a:ext cx="12192000" cy="6858000"/>
-          </a:xfrm>
-          <a:prstGeom prst="rect">
-            <a:avLst/>
-          </a:prstGeom>
-          <a:solidFill>
-            <a:srgbClr val="000000"/>
-          </a:solidFill>
-          <a:ln>
-            <a:noFill/>
-          </a:ln>
-        </p:spPr>
-        <p:style>
-          <a:lnRef idx="2">
-            <a:schemeClr val="accent1">
-              <a:shade val="50000"/>
-            </a:schemeClr>
-          </a:lnRef>
-          <a:fillRef idx="1">
-            <a:schemeClr val="accent1"/>
-          </a:fillRef>
-          <a:effectRef idx="0">
-            <a:schemeClr val="accent1"/>
-          </a:effectRef>
-          <a:fontRef idx="minor">
-            <a:schemeClr val="lt1"/>
-          </a:fontRef>
-        </p:style>
-        <p:txBody>
-          <a:bodyPr rtlCol="0" anchor="ctr"/>
-          <a:lstStyle/>
-          <a:p>
-            <a:pPr algn="ctr"/>
-            <a:endParaRPr lang="en-US"/>
-          </a:p>
-        </p:txBody>
-      </p:sp>
-      <p:pic>
-        <p:nvPicPr>
-          <p:cNvPr id="10" name="Content Placeholder 9" descr="A picture containing table, food, woman, man&#10;&#10;Description automatically generated">
-            <a:extLst>
-              <a:ext uri="{FF2B5EF4-FFF2-40B4-BE49-F238E27FC236}">
-                <a16:creationId xmlns:a16="http://schemas.microsoft.com/office/drawing/2014/main" id="{73B5D141-8700-4F97-AEC7-515EBC39A25E}"/>
-              </a:ext>
-            </a:extLst>
-          </p:cNvPr>
-          <p:cNvPicPr>
-            <a:picLocks noGrp="1" noChangeAspect="1"/>
-          </p:cNvPicPr>
+          <p:cNvPr id="44" name="Content Placeholder 43">
+            <a:extLst>
+              <a:ext uri="{FF2B5EF4-FFF2-40B4-BE49-F238E27FC236}">
+                <a16:creationId xmlns:a16="http://schemas.microsoft.com/office/drawing/2014/main" id="{914D935F-715E-4EEE-B69A-ABE433472786}"/>
+              </a:ext>
+            </a:extLst>
+          </p:cNvPr>
+          <p:cNvSpPr>
+            <a:spLocks noGrp="1"/>
+          </p:cNvSpPr>
           <p:nvPr>
             <p:ph idx="1"/>
           </p:nvPr>
-        </p:nvPicPr>
-        <p:blipFill rotWithShape="1">
-          <a:blip r:embed="rId2">
-            <a:alphaModFix amt="35000"/>
-            <a:extLst>
-              <a:ext uri="{28A0092B-C50C-407E-A947-70E740481C1C}">
-                <a14:useLocalDpi xmlns:a14="http://schemas.microsoft.com/office/drawing/2010/main" val="0"/>
-              </a:ext>
-              <a:ext uri="{837473B0-CC2E-450A-ABE3-18F120FF3D39}">
-                <a1611:picAttrSrcUrl xmlns:a1611="http://schemas.microsoft.com/office/drawing/2016/11/main" r:id="rId3"/>
-              </a:ext>
-            </a:extLst>
-          </a:blip>
-          <a:srcRect/>
-          <a:stretch/>
-        </p:blipFill>
-        <p:spPr>
-          <a:xfrm>
-            <a:off x="20" y="10"/>
-            <a:ext cx="12191980" cy="6857990"/>
-          </a:xfrm>
-          <a:prstGeom prst="rect">
-            <a:avLst/>
-          </a:prstGeom>
-        </p:spPr>
-      </p:pic>
-      <p:sp>
-        <p:nvSpPr>
-          <p:cNvPr id="2" name="Title 1">
-            <a:extLst>
-              <a:ext uri="{FF2B5EF4-FFF2-40B4-BE49-F238E27FC236}">
-                <a16:creationId xmlns:a16="http://schemas.microsoft.com/office/drawing/2014/main" id="{D5339C09-E45B-48A5-94F2-0EE10F249C11}"/>
-              </a:ext>
-            </a:extLst>
-          </p:cNvPr>
-          <p:cNvSpPr>
-            <a:spLocks noGrp="1"/>
-          </p:cNvSpPr>
-          <p:nvPr>
-            <p:ph type="title"/>
-          </p:nvPr>
-        </p:nvSpPr>
-        <p:spPr>
-          <a:xfrm>
-            <a:off x="1097280" y="758952"/>
-            <a:ext cx="10058400" cy="3566160"/>
-          </a:xfrm>
-        </p:spPr>
-        <p:txBody>
-          <a:bodyPr vert="horz" lIns="91440" tIns="45720" rIns="91440" bIns="45720" rtlCol="0" anchor="b">
+        </p:nvSpPr>
+        <p:spPr>
+          <a:xfrm>
+            <a:off x="643467" y="2546224"/>
+            <a:ext cx="3448259" cy="3342747"/>
+          </a:xfrm>
+        </p:spPr>
+        <p:txBody>
+          <a:bodyPr>
             <a:normAutofit/>
           </a:bodyPr>
           <a:lstStyle/>
           <a:p>
             <a:r>
-              <a:rPr lang="en-US" sz="8000">
+              <a:rPr lang="en-US" sz="1800" dirty="0">
                 <a:solidFill>
                   <a:srgbClr val="FFFFFF"/>
                 </a:solidFill>
               </a:rPr>
-              <a:t>Course designer</a:t>
-            </a:r>
-          </a:p>
-        </p:txBody>
-      </p:sp>
-      <p:cxnSp>
-        <p:nvCxnSpPr>
-          <p:cNvPr id="22" name="Straight Connector 21">
-            <a:extLst>
-              <a:ext uri="{FF2B5EF4-FFF2-40B4-BE49-F238E27FC236}">
-                <a16:creationId xmlns:a16="http://schemas.microsoft.com/office/drawing/2014/main" id="{A07787ED-5EDC-4C54-AD87-55B60D0FE397}"/>
-              </a:ext>
-              <a:ext uri="{C183D7F6-B498-43B3-948B-1728B52AA6E4}">
-                <adec:decorative xmlns:adec="http://schemas.microsoft.com/office/drawing/2017/decorative" val="1"/>
-              </a:ext>
-            </a:extLst>
-          </p:cNvPr>
-          <p:cNvCxnSpPr>
-            <a:cxnSpLocks noGrp="1" noRot="1" noChangeAspect="1" noMove="1" noResize="1" noEditPoints="1" noAdjustHandles="1" noChangeArrowheads="1" noChangeShapeType="1"/>
-          </p:cNvCxnSpPr>
-          <p:nvPr>
-            <p:extLst>
-              <p:ext uri="{386F3935-93C4-4BCD-93E2-E3B085C9AB24}">
-                <p16:designElem xmlns:p16="http://schemas.microsoft.com/office/powerpoint/2015/main" val="1"/>
-              </p:ext>
-            </p:extLst>
-          </p:nvPr>
-        </p:nvCxnSpPr>
-        <p:spPr>
-          <a:xfrm>
-            <a:off x="1207658" y="4474741"/>
-            <a:ext cx="9875520" cy="0"/>
-          </a:xfrm>
-          <a:prstGeom prst="line">
-            <a:avLst/>
-          </a:prstGeom>
-          <a:ln w="12700">
-            <a:solidFill>
-              <a:srgbClr val="FFFFFF"/>
-            </a:solidFill>
-          </a:ln>
-        </p:spPr>
-        <p:style>
-          <a:lnRef idx="1">
-            <a:schemeClr val="accent1"/>
-          </a:lnRef>
-          <a:fillRef idx="0">
-            <a:schemeClr val="accent1"/>
-          </a:fillRef>
-          <a:effectRef idx="0">
-            <a:schemeClr val="accent1"/>
-          </a:effectRef>
-          <a:fontRef idx="minor">
-            <a:schemeClr val="tx1"/>
-          </a:fontRef>
-        </p:style>
-      </p:cxnSp>
-      <p:sp>
-        <p:nvSpPr>
-          <p:cNvPr id="24" name="Rectangle 23">
-            <a:extLst>
-              <a:ext uri="{FF2B5EF4-FFF2-40B4-BE49-F238E27FC236}">
-                <a16:creationId xmlns:a16="http://schemas.microsoft.com/office/drawing/2014/main" id="{B40A8CA7-7D5A-43B0-A1A0-B558ECA9EED1}"/>
-              </a:ext>
-              <a:ext uri="{C183D7F6-B498-43B3-948B-1728B52AA6E4}">
-                <adec:decorative xmlns:adec="http://schemas.microsoft.com/office/drawing/2017/decorative" val="1"/>
-              </a:ext>
-            </a:extLst>
-          </p:cNvPr>
-          <p:cNvSpPr>
-            <a:spLocks noGrp="1" noRot="1" noChangeAspect="1" noMove="1" noResize="1" noEditPoints="1" noAdjustHandles="1" noChangeArrowheads="1" noChangeShapeType="1" noTextEdit="1"/>
-          </p:cNvSpPr>
-          <p:nvPr>
-            <p:extLst>
-              <p:ext uri="{386F3935-93C4-4BCD-93E2-E3B085C9AB24}">
-                <p16:designElem xmlns:p16="http://schemas.microsoft.com/office/powerpoint/2015/main" val="1"/>
-              </p:ext>
-            </p:extLst>
-          </p:nvPr>
-        </p:nvSpPr>
-        <p:spPr>
-          <a:xfrm>
-            <a:off x="3175" y="6400800"/>
-            <a:ext cx="12188825" cy="457200"/>
-          </a:xfrm>
-          <a:prstGeom prst="rect">
-            <a:avLst/>
-          </a:prstGeom>
-          <a:solidFill>
-            <a:srgbClr val="262626">
-              <a:alpha val="95000"/>
-            </a:srgbClr>
-          </a:solidFill>
-          <a:ln>
-            <a:noFill/>
-          </a:ln>
-        </p:spPr>
-        <p:style>
-          <a:lnRef idx="2">
-            <a:schemeClr val="accent1">
-              <a:shade val="50000"/>
-            </a:schemeClr>
-          </a:lnRef>
-          <a:fillRef idx="1">
-            <a:schemeClr val="accent1"/>
-          </a:fillRef>
-          <a:effectRef idx="0">
-            <a:schemeClr val="accent1"/>
-          </a:effectRef>
-          <a:fontRef idx="minor">
-            <a:schemeClr val="lt1"/>
-          </a:fontRef>
-        </p:style>
-      </p:sp>
-      <p:sp>
-        <p:nvSpPr>
-          <p:cNvPr id="11" name="TextBox 10">
-            <a:extLst>
-              <a:ext uri="{FF2B5EF4-FFF2-40B4-BE49-F238E27FC236}">
-                <a16:creationId xmlns:a16="http://schemas.microsoft.com/office/drawing/2014/main" id="{A7451E55-3A07-413F-AB9F-D927A00FABE3}"/>
-              </a:ext>
-            </a:extLst>
-          </p:cNvPr>
-          <p:cNvSpPr txBox="1"/>
-          <p:nvPr/>
-        </p:nvSpPr>
-        <p:spPr>
-          <a:xfrm>
-            <a:off x="9830456" y="6657945"/>
-            <a:ext cx="2361544" cy="200055"/>
-          </a:xfrm>
-          <a:prstGeom prst="rect">
-            <a:avLst/>
-          </a:prstGeom>
-          <a:solidFill>
-            <a:srgbClr val="000000"/>
-          </a:solidFill>
-        </p:spPr>
-        <p:txBody>
-          <a:bodyPr wrap="none" rtlCol="0">
-            <a:spAutoFit/>
-          </a:bodyPr>
-          <a:lstStyle/>
-          <a:p>
-            <a:pPr algn="r">
-              <a:spcAft>
-                <a:spcPts val="600"/>
-              </a:spcAft>
-            </a:pPr>
-            <a:r>
-              <a:rPr lang="nl-NL" sz="700">
-                <a:solidFill>
-                  <a:srgbClr val="FFFFFF"/>
-                </a:solidFill>
-                <a:hlinkClick r:id="rId3" tooltip="http://theworldsbestever.com/category/games/">
-                  <a:extLst>
-                    <a:ext uri="{A12FA001-AC4F-418D-AE19-62706E023703}">
-                      <ahyp:hlinkClr xmlns:ahyp="http://schemas.microsoft.com/office/drawing/2018/hyperlinkcolor" val="tx"/>
-                    </a:ext>
-                  </a:extLst>
-                </a:hlinkClick>
-              </a:rPr>
-              <a:t>This Photo</a:t>
-            </a:r>
-            <a:r>
-              <a:rPr lang="nl-NL" sz="700">
+              <a:t>- Made out of triangles</a:t>
+            </a:r>
+          </a:p>
+          <a:p>
+            <a:r>
+              <a:rPr lang="en-US" sz="1800" dirty="0">
                 <a:solidFill>
                   <a:srgbClr val="FFFFFF"/>
                 </a:solidFill>
               </a:rPr>
-              <a:t> by Unknown Author is licensed under </a:t>
-            </a:r>
-            <a:r>
-              <a:rPr lang="nl-NL" sz="700">
+              <a:t>- Step size for generation</a:t>
+            </a:r>
+          </a:p>
+          <a:p>
+            <a:r>
+              <a:rPr lang="en-US" sz="1800" dirty="0">
                 <a:solidFill>
                   <a:srgbClr val="FFFFFF"/>
                 </a:solidFill>
-                <a:hlinkClick r:id="rId4" tooltip="https://creativecommons.org/licenses/by-sa/3.0/">
-                  <a:extLst>
-                    <a:ext uri="{A12FA001-AC4F-418D-AE19-62706E023703}">
-                      <ahyp:hlinkClr xmlns:ahyp="http://schemas.microsoft.com/office/drawing/2018/hyperlinkcolor" val="tx"/>
-                    </a:ext>
-                  </a:extLst>
-                </a:hlinkClick>
               </a:rPr>
-              <a:t>CC BY-SA</a:t>
-            </a:r>
-            <a:endParaRPr lang="nl-NL" sz="700">
+              <a:t>- Shaders for coloring</a:t>
+            </a:r>
+          </a:p>
+          <a:p>
+            <a:endParaRPr lang="en-US" sz="1800" dirty="0">
               <a:solidFill>
                 <a:srgbClr val="FFFFFF"/>
               </a:solidFill>
@@ -5545,10 +5378,48 @@
           </a:p>
         </p:txBody>
       </p:sp>
+      <p:pic>
+        <p:nvPicPr>
+          <p:cNvPr id="12" name="Content Placeholder 11" descr="A close up of a wire fence&#10;&#10;Description automatically generated">
+            <a:extLst>
+              <a:ext uri="{FF2B5EF4-FFF2-40B4-BE49-F238E27FC236}">
+                <a16:creationId xmlns:a16="http://schemas.microsoft.com/office/drawing/2014/main" id="{D0662B88-BFC3-4832-BEAE-055F4B6B27C1}"/>
+              </a:ext>
+            </a:extLst>
+          </p:cNvPr>
+          <p:cNvPicPr>
+            <a:picLocks noChangeAspect="1"/>
+          </p:cNvPicPr>
+          <p:nvPr/>
+        </p:nvPicPr>
+        <p:blipFill rotWithShape="1">
+          <a:blip r:embed="rId2">
+            <a:extLst>
+              <a:ext uri="{28A0092B-C50C-407E-A947-70E740481C1C}">
+                <a14:useLocalDpi xmlns:a14="http://schemas.microsoft.com/office/drawing/2010/main" val="0"/>
+              </a:ext>
+              <a:ext uri="{837473B0-CC2E-450A-ABE3-18F120FF3D39}">
+                <a1611:picAttrSrcUrl xmlns:a1611="http://schemas.microsoft.com/office/drawing/2016/11/main" r:id="rId3"/>
+              </a:ext>
+            </a:extLst>
+          </a:blip>
+          <a:srcRect l="18586" r="19589"/>
+          <a:stretch/>
+        </p:blipFill>
+        <p:spPr>
+          <a:xfrm>
+            <a:off x="4654296" y="10"/>
+            <a:ext cx="7537703" cy="6857990"/>
+          </a:xfrm>
+          <a:prstGeom prst="rect">
+            <a:avLst/>
+          </a:prstGeom>
+        </p:spPr>
+      </p:pic>
     </p:spTree>
     <p:extLst>
       <p:ext uri="{BB962C8B-B14F-4D97-AF65-F5344CB8AC3E}">
-        <p14:creationId xmlns:p14="http://schemas.microsoft.com/office/powerpoint/2010/main" val="2416084891"/>
+        <p14:creationId xmlns:p14="http://schemas.microsoft.com/office/powerpoint/2010/main" val="853921574"/>
       </p:ext>
     </p:extLst>
   </p:cSld>
@@ -5583,12 +5454,12 @@
           <a:chExt cx="0" cy="0"/>
         </a:xfrm>
       </p:grpSpPr>
-      <p:sp>
-        <p:nvSpPr>
-          <p:cNvPr id="24" name="Rectangle 13">
-            <a:extLst>
-              <a:ext uri="{FF2B5EF4-FFF2-40B4-BE49-F238E27FC236}">
-                <a16:creationId xmlns:a16="http://schemas.microsoft.com/office/drawing/2014/main" id="{E844E128-FF69-4E9F-8327-6B504B3C5AE1}"/>
+      <p:sp useBgFill="1">
+        <p:nvSpPr>
+          <p:cNvPr id="48" name="Rectangle 39">
+            <a:extLst>
+              <a:ext uri="{FF2B5EF4-FFF2-40B4-BE49-F238E27FC236}">
+                <a16:creationId xmlns:a16="http://schemas.microsoft.com/office/drawing/2014/main" id="{80861964-D86C-4A50-8F6D-B466384A61B1}"/>
               </a:ext>
               <a:ext uri="{C183D7F6-B498-43B3-948B-1728B52AA6E4}">
                 <adec:decorative xmlns:adec="http://schemas.microsoft.com/office/drawing/2017/decorative" val="1"/>
@@ -5606,17 +5477,14 @@
             </p:extLst>
           </p:nvPr>
         </p:nvSpPr>
-        <p:spPr bwMode="white">
-          <a:xfrm>
-            <a:off x="15" y="0"/>
-            <a:ext cx="12191985" cy="6858000"/>
+        <p:spPr>
+          <a:xfrm>
+            <a:off x="0" y="0"/>
+            <a:ext cx="12192001" cy="6858000"/>
           </a:xfrm>
           <a:prstGeom prst="rect">
             <a:avLst/>
           </a:prstGeom>
-          <a:solidFill>
-            <a:srgbClr val="262626"/>
-          </a:solidFill>
           <a:ln>
             <a:noFill/>
           </a:ln>
@@ -5637,13 +5505,21 @@
             <a:schemeClr val="lt1"/>
           </a:fontRef>
         </p:style>
+        <p:txBody>
+          <a:bodyPr rtlCol="0" anchor="ctr"/>
+          <a:lstStyle/>
+          <a:p>
+            <a:pPr algn="ctr"/>
+            <a:endParaRPr lang="en-US"/>
+          </a:p>
+        </p:txBody>
       </p:sp>
       <p:sp>
         <p:nvSpPr>
           <p:cNvPr id="2" name="Title 1">
             <a:extLst>
               <a:ext uri="{FF2B5EF4-FFF2-40B4-BE49-F238E27FC236}">
-                <a16:creationId xmlns:a16="http://schemas.microsoft.com/office/drawing/2014/main" id="{E1183DFE-6F03-4462-808E-3436977A16C0}"/>
+                <a16:creationId xmlns:a16="http://schemas.microsoft.com/office/drawing/2014/main" id="{D5339C09-E45B-48A5-94F2-0EE10F249C11}"/>
               </a:ext>
             </a:extLst>
           </p:cNvPr>
@@ -5656,38 +5532,65 @@
         </p:nvSpPr>
         <p:spPr>
           <a:xfrm>
-            <a:off x="643467" y="516835"/>
-            <a:ext cx="3448259" cy="1666501"/>
-          </a:xfrm>
-        </p:spPr>
-        <p:txBody>
-          <a:bodyPr>
+            <a:off x="7859485" y="634946"/>
+            <a:ext cx="3690257" cy="1450757"/>
+          </a:xfrm>
+        </p:spPr>
+        <p:txBody>
+          <a:bodyPr vert="horz" lIns="91440" tIns="45720" rIns="91440" bIns="45720" rtlCol="0">
             <a:normAutofit/>
           </a:bodyPr>
           <a:lstStyle/>
           <a:p>
             <a:r>
-              <a:rPr lang="en-US" sz="4000">
-                <a:solidFill>
-                  <a:srgbClr val="FFFFFF"/>
-                </a:solidFill>
-              </a:rPr>
-              <a:t>Playing the game</a:t>
-            </a:r>
-            <a:endParaRPr lang="nl-NL" sz="4000">
-              <a:solidFill>
-                <a:srgbClr val="FFFFFF"/>
-              </a:solidFill>
-            </a:endParaRPr>
-          </a:p>
-        </p:txBody>
-      </p:sp>
+              <a:rPr lang="en-US"/>
+              <a:t>Course designer</a:t>
+            </a:r>
+          </a:p>
+        </p:txBody>
+      </p:sp>
+      <p:pic>
+        <p:nvPicPr>
+          <p:cNvPr id="4" name="Content Placeholder 3" descr="A screenshot of a cell phone&#10;&#10;Description automatically generated">
+            <a:extLst>
+              <a:ext uri="{FF2B5EF4-FFF2-40B4-BE49-F238E27FC236}">
+                <a16:creationId xmlns:a16="http://schemas.microsoft.com/office/drawing/2014/main" id="{B9CF16D3-9594-4592-870F-038D076F85A0}"/>
+              </a:ext>
+            </a:extLst>
+          </p:cNvPr>
+          <p:cNvPicPr>
+            <a:picLocks noChangeAspect="1"/>
+          </p:cNvPicPr>
+          <p:nvPr/>
+        </p:nvPicPr>
+        <p:blipFill>
+          <a:blip r:embed="rId2">
+            <a:extLst>
+              <a:ext uri="{28A0092B-C50C-407E-A947-70E740481C1C}">
+                <a14:useLocalDpi xmlns:a14="http://schemas.microsoft.com/office/drawing/2010/main" val="0"/>
+              </a:ext>
+            </a:extLst>
+          </a:blip>
+          <a:stretch>
+            <a:fillRect/>
+          </a:stretch>
+        </p:blipFill>
+        <p:spPr>
+          <a:xfrm>
+            <a:off x="633999" y="1240026"/>
+            <a:ext cx="6583227" cy="4114516"/>
+          </a:xfrm>
+          <a:prstGeom prst="rect">
+            <a:avLst/>
+          </a:prstGeom>
+        </p:spPr>
+      </p:pic>
       <p:cxnSp>
         <p:nvCxnSpPr>
-          <p:cNvPr id="25" name="Straight Connector 15">
-            <a:extLst>
-              <a:ext uri="{FF2B5EF4-FFF2-40B4-BE49-F238E27FC236}">
-                <a16:creationId xmlns:a16="http://schemas.microsoft.com/office/drawing/2014/main" id="{055CEADF-09EA-423C-8C45-F94AF44D5AF0}"/>
+          <p:cNvPr id="49" name="Straight Connector 41">
+            <a:extLst>
+              <a:ext uri="{FF2B5EF4-FFF2-40B4-BE49-F238E27FC236}">
+                <a16:creationId xmlns:a16="http://schemas.microsoft.com/office/drawing/2014/main" id="{754A678E-8F30-4E92-A5BF-F5D03D011394}"/>
               </a:ext>
               <a:ext uri="{C183D7F6-B498-43B3-948B-1728B52AA6E4}">
                 <adec:decorative xmlns:adec="http://schemas.microsoft.com/office/drawing/2017/decorative" val="1"/>
@@ -5707,15 +5610,18 @@
         </p:nvCxnSpPr>
         <p:spPr>
           <a:xfrm>
-            <a:off x="723686" y="2353592"/>
-            <a:ext cx="3291840" cy="0"/>
+            <a:off x="7898967" y="2246569"/>
+            <a:ext cx="3474720" cy="0"/>
           </a:xfrm>
           <a:prstGeom prst="line">
             <a:avLst/>
           </a:prstGeom>
-          <a:ln w="19050">
+          <a:ln w="12700">
             <a:solidFill>
-              <a:schemeClr val="accent1"/>
+              <a:schemeClr val="tx1">
+                <a:lumMod val="75000"/>
+                <a:lumOff val="25000"/>
+              </a:schemeClr>
             </a:solidFill>
           </a:ln>
         </p:spPr>
@@ -5736,10 +5642,10 @@
       </p:cxnSp>
       <p:sp>
         <p:nvSpPr>
-          <p:cNvPr id="26" name="Content Placeholder 8">
-            <a:extLst>
-              <a:ext uri="{FF2B5EF4-FFF2-40B4-BE49-F238E27FC236}">
-                <a16:creationId xmlns:a16="http://schemas.microsoft.com/office/drawing/2014/main" id="{D9E4C971-3402-4710-B422-EB06EBF8A41F}"/>
+          <p:cNvPr id="37" name="Content Placeholder 36">
+            <a:extLst>
+              <a:ext uri="{FF2B5EF4-FFF2-40B4-BE49-F238E27FC236}">
+                <a16:creationId xmlns:a16="http://schemas.microsoft.com/office/drawing/2014/main" id="{73D44418-2D84-4869-899A-7CD5BD8DDE4E}"/>
               </a:ext>
             </a:extLst>
           </p:cNvPr>
@@ -5752,8 +5658,8 @@
         </p:nvSpPr>
         <p:spPr>
           <a:xfrm>
-            <a:off x="643467" y="2546224"/>
-            <a:ext cx="3448259" cy="3342747"/>
+            <a:off x="7859485" y="2407436"/>
+            <a:ext cx="3690257" cy="3461658"/>
           </a:xfrm>
         </p:spPr>
         <p:txBody>
@@ -5762,7 +5668,328 @@
           </a:bodyPr>
           <a:lstStyle/>
           <a:p>
-            <a:endParaRPr lang="nl-NL" sz="1800">
+            <a:r>
+              <a:rPr lang="en-US" dirty="0"/>
+              <a:t>- Option for the user to enter their desired values</a:t>
+            </a:r>
+          </a:p>
+          <a:p>
+            <a:r>
+              <a:rPr lang="en-US" dirty="0"/>
+              <a:t>- File option</a:t>
+            </a:r>
+          </a:p>
+          <a:p>
+            <a:r>
+              <a:rPr lang="en-US" dirty="0"/>
+              <a:t>- Limitations </a:t>
+            </a:r>
+          </a:p>
+        </p:txBody>
+      </p:sp>
+      <p:sp>
+        <p:nvSpPr>
+          <p:cNvPr id="50" name="Rectangle 43">
+            <a:extLst>
+              <a:ext uri="{FF2B5EF4-FFF2-40B4-BE49-F238E27FC236}">
+                <a16:creationId xmlns:a16="http://schemas.microsoft.com/office/drawing/2014/main" id="{F2BDE551-930A-4FE1-8434-09824E3247E6}"/>
+              </a:ext>
+              <a:ext uri="{C183D7F6-B498-43B3-948B-1728B52AA6E4}">
+                <adec:decorative xmlns:adec="http://schemas.microsoft.com/office/drawing/2017/decorative" val="1"/>
+              </a:ext>
+            </a:extLst>
+          </p:cNvPr>
+          <p:cNvSpPr>
+            <a:spLocks noGrp="1" noRot="1" noChangeAspect="1" noMove="1" noResize="1" noEditPoints="1" noAdjustHandles="1" noChangeArrowheads="1" noChangeShapeType="1" noTextEdit="1"/>
+          </p:cNvSpPr>
+          <p:nvPr>
+            <p:extLst>
+              <p:ext uri="{386F3935-93C4-4BCD-93E2-E3B085C9AB24}">
+                <p16:designElem xmlns:p16="http://schemas.microsoft.com/office/powerpoint/2015/main" val="1"/>
+              </p:ext>
+            </p:extLst>
+          </p:nvPr>
+        </p:nvSpPr>
+        <p:spPr>
+          <a:xfrm>
+            <a:off x="0" y="6400800"/>
+            <a:ext cx="12192000" cy="457200"/>
+          </a:xfrm>
+          <a:prstGeom prst="rect">
+            <a:avLst/>
+          </a:prstGeom>
+          <a:solidFill>
+            <a:srgbClr val="262626"/>
+          </a:solidFill>
+          <a:ln>
+            <a:noFill/>
+          </a:ln>
+        </p:spPr>
+        <p:style>
+          <a:lnRef idx="2">
+            <a:schemeClr val="accent1">
+              <a:shade val="50000"/>
+            </a:schemeClr>
+          </a:lnRef>
+          <a:fillRef idx="1">
+            <a:schemeClr val="accent1"/>
+          </a:fillRef>
+          <a:effectRef idx="0">
+            <a:schemeClr val="accent1"/>
+          </a:effectRef>
+          <a:fontRef idx="minor">
+            <a:schemeClr val="lt1"/>
+          </a:fontRef>
+        </p:style>
+      </p:sp>
+    </p:spTree>
+    <p:extLst>
+      <p:ext uri="{BB962C8B-B14F-4D97-AF65-F5344CB8AC3E}">
+        <p14:creationId xmlns:p14="http://schemas.microsoft.com/office/powerpoint/2010/main" val="2416084891"/>
+      </p:ext>
+    </p:extLst>
+  </p:cSld>
+  <p:clrMapOvr>
+    <a:masterClrMapping/>
+  </p:clrMapOvr>
+</p:sld>
+</file>
+
+<file path=ppt/slides/slide6.xml><?xml version="1.0" encoding="utf-8"?>
+<p:sld xmlns:a="http://schemas.openxmlformats.org/drawingml/2006/main" xmlns:r="http://schemas.openxmlformats.org/officeDocument/2006/relationships" xmlns:p="http://schemas.openxmlformats.org/presentationml/2006/main">
+  <p:cSld>
+    <p:bg>
+      <p:bgPr>
+        <a:solidFill>
+          <a:schemeClr val="bg1"/>
+        </a:solidFill>
+        <a:effectLst/>
+      </p:bgPr>
+    </p:bg>
+    <p:spTree>
+      <p:nvGrpSpPr>
+        <p:cNvPr id="1" name=""/>
+        <p:cNvGrpSpPr/>
+        <p:nvPr/>
+      </p:nvGrpSpPr>
+      <p:grpSpPr>
+        <a:xfrm>
+          <a:off x="0" y="0"/>
+          <a:ext cx="0" cy="0"/>
+          <a:chOff x="0" y="0"/>
+          <a:chExt cx="0" cy="0"/>
+        </a:xfrm>
+      </p:grpSpPr>
+      <p:sp>
+        <p:nvSpPr>
+          <p:cNvPr id="24" name="Rectangle 13">
+            <a:extLst>
+              <a:ext uri="{FF2B5EF4-FFF2-40B4-BE49-F238E27FC236}">
+                <a16:creationId xmlns:a16="http://schemas.microsoft.com/office/drawing/2014/main" id="{E844E128-FF69-4E9F-8327-6B504B3C5AE1}"/>
+              </a:ext>
+              <a:ext uri="{C183D7F6-B498-43B3-948B-1728B52AA6E4}">
+                <adec:decorative xmlns:adec="http://schemas.microsoft.com/office/drawing/2017/decorative" val="1"/>
+              </a:ext>
+            </a:extLst>
+          </p:cNvPr>
+          <p:cNvSpPr>
+            <a:spLocks noGrp="1" noRot="1" noChangeAspect="1" noMove="1" noResize="1" noEditPoints="1" noAdjustHandles="1" noChangeArrowheads="1" noChangeShapeType="1" noTextEdit="1"/>
+          </p:cNvSpPr>
+          <p:nvPr>
+            <p:extLst>
+              <p:ext uri="{386F3935-93C4-4BCD-93E2-E3B085C9AB24}">
+                <p16:designElem xmlns:p16="http://schemas.microsoft.com/office/powerpoint/2015/main" val="1"/>
+              </p:ext>
+            </p:extLst>
+          </p:nvPr>
+        </p:nvSpPr>
+        <p:spPr bwMode="white">
+          <a:xfrm>
+            <a:off x="15" y="0"/>
+            <a:ext cx="12191985" cy="6858000"/>
+          </a:xfrm>
+          <a:prstGeom prst="rect">
+            <a:avLst/>
+          </a:prstGeom>
+          <a:solidFill>
+            <a:srgbClr val="262626"/>
+          </a:solidFill>
+          <a:ln>
+            <a:noFill/>
+          </a:ln>
+        </p:spPr>
+        <p:style>
+          <a:lnRef idx="2">
+            <a:schemeClr val="accent1">
+              <a:shade val="50000"/>
+            </a:schemeClr>
+          </a:lnRef>
+          <a:fillRef idx="1">
+            <a:schemeClr val="accent1"/>
+          </a:fillRef>
+          <a:effectRef idx="0">
+            <a:schemeClr val="accent1"/>
+          </a:effectRef>
+          <a:fontRef idx="minor">
+            <a:schemeClr val="lt1"/>
+          </a:fontRef>
+        </p:style>
+      </p:sp>
+      <p:sp>
+        <p:nvSpPr>
+          <p:cNvPr id="2" name="Title 1">
+            <a:extLst>
+              <a:ext uri="{FF2B5EF4-FFF2-40B4-BE49-F238E27FC236}">
+                <a16:creationId xmlns:a16="http://schemas.microsoft.com/office/drawing/2014/main" id="{E1183DFE-6F03-4462-808E-3436977A16C0}"/>
+              </a:ext>
+            </a:extLst>
+          </p:cNvPr>
+          <p:cNvSpPr>
+            <a:spLocks noGrp="1"/>
+          </p:cNvSpPr>
+          <p:nvPr>
+            <p:ph type="title"/>
+          </p:nvPr>
+        </p:nvSpPr>
+        <p:spPr>
+          <a:xfrm>
+            <a:off x="643467" y="516835"/>
+            <a:ext cx="3448259" cy="1666501"/>
+          </a:xfrm>
+        </p:spPr>
+        <p:txBody>
+          <a:bodyPr>
+            <a:normAutofit/>
+          </a:bodyPr>
+          <a:lstStyle/>
+          <a:p>
+            <a:r>
+              <a:rPr lang="en-US" sz="4000">
+                <a:solidFill>
+                  <a:srgbClr val="FFFFFF"/>
+                </a:solidFill>
+              </a:rPr>
+              <a:t>Playing the game</a:t>
+            </a:r>
+            <a:endParaRPr lang="nl-NL" sz="4000">
+              <a:solidFill>
+                <a:srgbClr val="FFFFFF"/>
+              </a:solidFill>
+            </a:endParaRPr>
+          </a:p>
+        </p:txBody>
+      </p:sp>
+      <p:cxnSp>
+        <p:nvCxnSpPr>
+          <p:cNvPr id="25" name="Straight Connector 15">
+            <a:extLst>
+              <a:ext uri="{FF2B5EF4-FFF2-40B4-BE49-F238E27FC236}">
+                <a16:creationId xmlns:a16="http://schemas.microsoft.com/office/drawing/2014/main" id="{055CEADF-09EA-423C-8C45-F94AF44D5AF0}"/>
+              </a:ext>
+              <a:ext uri="{C183D7F6-B498-43B3-948B-1728B52AA6E4}">
+                <adec:decorative xmlns:adec="http://schemas.microsoft.com/office/drawing/2017/decorative" val="1"/>
+              </a:ext>
+            </a:extLst>
+          </p:cNvPr>
+          <p:cNvCxnSpPr>
+            <a:cxnSpLocks noGrp="1" noRot="1" noChangeAspect="1" noMove="1" noResize="1" noEditPoints="1" noAdjustHandles="1" noChangeArrowheads="1" noChangeShapeType="1"/>
+          </p:cNvCxnSpPr>
+          <p:nvPr>
+            <p:extLst>
+              <p:ext uri="{386F3935-93C4-4BCD-93E2-E3B085C9AB24}">
+                <p16:designElem xmlns:p16="http://schemas.microsoft.com/office/powerpoint/2015/main" val="1"/>
+              </p:ext>
+            </p:extLst>
+          </p:nvPr>
+        </p:nvCxnSpPr>
+        <p:spPr>
+          <a:xfrm>
+            <a:off x="723686" y="2353592"/>
+            <a:ext cx="3291840" cy="0"/>
+          </a:xfrm>
+          <a:prstGeom prst="line">
+            <a:avLst/>
+          </a:prstGeom>
+          <a:ln w="19050">
+            <a:solidFill>
+              <a:schemeClr val="accent1"/>
+            </a:solidFill>
+          </a:ln>
+        </p:spPr>
+        <p:style>
+          <a:lnRef idx="1">
+            <a:schemeClr val="accent1"/>
+          </a:lnRef>
+          <a:fillRef idx="0">
+            <a:schemeClr val="accent1"/>
+          </a:fillRef>
+          <a:effectRef idx="0">
+            <a:schemeClr val="accent1"/>
+          </a:effectRef>
+          <a:fontRef idx="minor">
+            <a:schemeClr val="tx1"/>
+          </a:fontRef>
+        </p:style>
+      </p:cxnSp>
+      <p:sp>
+        <p:nvSpPr>
+          <p:cNvPr id="26" name="Content Placeholder 8">
+            <a:extLst>
+              <a:ext uri="{FF2B5EF4-FFF2-40B4-BE49-F238E27FC236}">
+                <a16:creationId xmlns:a16="http://schemas.microsoft.com/office/drawing/2014/main" id="{D9E4C971-3402-4710-B422-EB06EBF8A41F}"/>
+              </a:ext>
+            </a:extLst>
+          </p:cNvPr>
+          <p:cNvSpPr>
+            <a:spLocks noGrp="1"/>
+          </p:cNvSpPr>
+          <p:nvPr>
+            <p:ph idx="1"/>
+          </p:nvPr>
+        </p:nvSpPr>
+        <p:spPr>
+          <a:xfrm>
+            <a:off x="643467" y="2546224"/>
+            <a:ext cx="3448259" cy="3342747"/>
+          </a:xfrm>
+        </p:spPr>
+        <p:txBody>
+          <a:bodyPr>
+            <a:normAutofit/>
+          </a:bodyPr>
+          <a:lstStyle/>
+          <a:p>
+            <a:r>
+              <a:rPr lang="en-US" sz="1800" dirty="0">
+                <a:solidFill>
+                  <a:srgbClr val="FFFFFF"/>
+                </a:solidFill>
+              </a:rPr>
+              <a:t>- Shooting the ball</a:t>
+            </a:r>
+          </a:p>
+          <a:p>
+            <a:r>
+              <a:rPr lang="en-US" sz="1800" dirty="0">
+                <a:solidFill>
+                  <a:srgbClr val="FFFFFF"/>
+                </a:solidFill>
+              </a:rPr>
+              <a:t>- Water</a:t>
+            </a:r>
+          </a:p>
+          <a:p>
+            <a:r>
+              <a:rPr lang="en-US" sz="1800" dirty="0">
+                <a:solidFill>
+                  <a:srgbClr val="FFFFFF"/>
+                </a:solidFill>
+              </a:rPr>
+              <a:t>- Out-of-bounds</a:t>
+            </a:r>
+          </a:p>
+          <a:p>
+            <a:endParaRPr lang="nl-NL" sz="1800" dirty="0">
               <a:solidFill>
                 <a:srgbClr val="FFFFFF"/>
               </a:solidFill>
@@ -5812,6 +6039,327 @@
     <p:extLst>
       <p:ext uri="{BB962C8B-B14F-4D97-AF65-F5344CB8AC3E}">
         <p14:creationId xmlns:p14="http://schemas.microsoft.com/office/powerpoint/2010/main" val="1255897744"/>
+      </p:ext>
+    </p:extLst>
+  </p:cSld>
+  <p:clrMapOvr>
+    <a:overrideClrMapping bg1="dk1" tx1="lt1" bg2="dk2" tx2="lt2" accent1="accent1" accent2="accent2" accent3="accent3" accent4="accent4" accent5="accent5" accent6="accent6" hlink="hlink" folHlink="folHlink"/>
+  </p:clrMapOvr>
+</p:sld>
+</file>
+
+<file path=ppt/slides/slide7.xml><?xml version="1.0" encoding="utf-8"?>
+<p:sld xmlns:a="http://schemas.openxmlformats.org/drawingml/2006/main" xmlns:r="http://schemas.openxmlformats.org/officeDocument/2006/relationships" xmlns:p="http://schemas.openxmlformats.org/presentationml/2006/main">
+  <p:cSld>
+    <p:bg>
+      <p:bgPr>
+        <a:solidFill>
+          <a:schemeClr val="bg1"/>
+        </a:solidFill>
+        <a:effectLst/>
+      </p:bgPr>
+    </p:bg>
+    <p:spTree>
+      <p:nvGrpSpPr>
+        <p:cNvPr id="1" name=""/>
+        <p:cNvGrpSpPr/>
+        <p:nvPr/>
+      </p:nvGrpSpPr>
+      <p:grpSpPr>
+        <a:xfrm>
+          <a:off x="0" y="0"/>
+          <a:ext cx="0" cy="0"/>
+          <a:chOff x="0" y="0"/>
+          <a:chExt cx="0" cy="0"/>
+        </a:xfrm>
+      </p:grpSpPr>
+      <p:sp>
+        <p:nvSpPr>
+          <p:cNvPr id="10" name="Rectangle 9">
+            <a:extLst>
+              <a:ext uri="{FF2B5EF4-FFF2-40B4-BE49-F238E27FC236}">
+                <a16:creationId xmlns:a16="http://schemas.microsoft.com/office/drawing/2014/main" id="{E844E128-FF69-4E9F-8327-6B504B3C5AE1}"/>
+              </a:ext>
+              <a:ext uri="{C183D7F6-B498-43B3-948B-1728B52AA6E4}">
+                <adec:decorative xmlns:adec="http://schemas.microsoft.com/office/drawing/2017/decorative" val="1"/>
+              </a:ext>
+            </a:extLst>
+          </p:cNvPr>
+          <p:cNvSpPr>
+            <a:spLocks noGrp="1" noRot="1" noChangeAspect="1" noMove="1" noResize="1" noEditPoints="1" noAdjustHandles="1" noChangeArrowheads="1" noChangeShapeType="1" noTextEdit="1"/>
+          </p:cNvSpPr>
+          <p:nvPr>
+            <p:extLst>
+              <p:ext uri="{386F3935-93C4-4BCD-93E2-E3B085C9AB24}">
+                <p16:designElem xmlns:p16="http://schemas.microsoft.com/office/powerpoint/2015/main" val="1"/>
+              </p:ext>
+            </p:extLst>
+          </p:nvPr>
+        </p:nvSpPr>
+        <p:spPr bwMode="white">
+          <a:xfrm>
+            <a:off x="15" y="0"/>
+            <a:ext cx="12191985" cy="6858000"/>
+          </a:xfrm>
+          <a:prstGeom prst="rect">
+            <a:avLst/>
+          </a:prstGeom>
+          <a:solidFill>
+            <a:srgbClr val="262626"/>
+          </a:solidFill>
+          <a:ln>
+            <a:noFill/>
+          </a:ln>
+        </p:spPr>
+        <p:style>
+          <a:lnRef idx="2">
+            <a:schemeClr val="accent1">
+              <a:shade val="50000"/>
+            </a:schemeClr>
+          </a:lnRef>
+          <a:fillRef idx="1">
+            <a:schemeClr val="accent1"/>
+          </a:fillRef>
+          <a:effectRef idx="0">
+            <a:schemeClr val="accent1"/>
+          </a:effectRef>
+          <a:fontRef idx="minor">
+            <a:schemeClr val="lt1"/>
+          </a:fontRef>
+        </p:style>
+      </p:sp>
+      <p:sp>
+        <p:nvSpPr>
+          <p:cNvPr id="2" name="Title 1">
+            <a:extLst>
+              <a:ext uri="{FF2B5EF4-FFF2-40B4-BE49-F238E27FC236}">
+                <a16:creationId xmlns:a16="http://schemas.microsoft.com/office/drawing/2014/main" id="{757CF74D-E59D-4AC1-A8B4-AC3F4C4E0EF1}"/>
+              </a:ext>
+            </a:extLst>
+          </p:cNvPr>
+          <p:cNvSpPr>
+            <a:spLocks noGrp="1"/>
+          </p:cNvSpPr>
+          <p:nvPr>
+            <p:ph type="title"/>
+          </p:nvPr>
+        </p:nvSpPr>
+        <p:spPr>
+          <a:xfrm>
+            <a:off x="643467" y="516835"/>
+            <a:ext cx="3448259" cy="1666501"/>
+          </a:xfrm>
+        </p:spPr>
+        <p:txBody>
+          <a:bodyPr>
+            <a:normAutofit/>
+          </a:bodyPr>
+          <a:lstStyle/>
+          <a:p>
+            <a:r>
+              <a:rPr lang="en-US" sz="3700">
+                <a:solidFill>
+                  <a:srgbClr val="FFFFFF"/>
+                </a:solidFill>
+              </a:rPr>
+              <a:t>Improvements</a:t>
+            </a:r>
+            <a:endParaRPr lang="nl-NL" sz="3700">
+              <a:solidFill>
+                <a:srgbClr val="FFFFFF"/>
+              </a:solidFill>
+            </a:endParaRPr>
+          </a:p>
+        </p:txBody>
+      </p:sp>
+      <p:cxnSp>
+        <p:nvCxnSpPr>
+          <p:cNvPr id="12" name="Straight Connector 11">
+            <a:extLst>
+              <a:ext uri="{FF2B5EF4-FFF2-40B4-BE49-F238E27FC236}">
+                <a16:creationId xmlns:a16="http://schemas.microsoft.com/office/drawing/2014/main" id="{055CEADF-09EA-423C-8C45-F94AF44D5AF0}"/>
+              </a:ext>
+              <a:ext uri="{C183D7F6-B498-43B3-948B-1728B52AA6E4}">
+                <adec:decorative xmlns:adec="http://schemas.microsoft.com/office/drawing/2017/decorative" val="1"/>
+              </a:ext>
+            </a:extLst>
+          </p:cNvPr>
+          <p:cNvCxnSpPr>
+            <a:cxnSpLocks noGrp="1" noRot="1" noChangeAspect="1" noMove="1" noResize="1" noEditPoints="1" noAdjustHandles="1" noChangeArrowheads="1" noChangeShapeType="1"/>
+          </p:cNvCxnSpPr>
+          <p:nvPr>
+            <p:extLst>
+              <p:ext uri="{386F3935-93C4-4BCD-93E2-E3B085C9AB24}">
+                <p16:designElem xmlns:p16="http://schemas.microsoft.com/office/powerpoint/2015/main" val="1"/>
+              </p:ext>
+            </p:extLst>
+          </p:nvPr>
+        </p:nvCxnSpPr>
+        <p:spPr>
+          <a:xfrm>
+            <a:off x="723686" y="2353592"/>
+            <a:ext cx="3291840" cy="0"/>
+          </a:xfrm>
+          <a:prstGeom prst="line">
+            <a:avLst/>
+          </a:prstGeom>
+          <a:ln w="19050">
+            <a:solidFill>
+              <a:schemeClr val="accent1"/>
+            </a:solidFill>
+          </a:ln>
+        </p:spPr>
+        <p:style>
+          <a:lnRef idx="1">
+            <a:schemeClr val="accent1"/>
+          </a:lnRef>
+          <a:fillRef idx="0">
+            <a:schemeClr val="accent1"/>
+          </a:fillRef>
+          <a:effectRef idx="0">
+            <a:schemeClr val="accent1"/>
+          </a:effectRef>
+          <a:fontRef idx="minor">
+            <a:schemeClr val="tx1"/>
+          </a:fontRef>
+        </p:style>
+      </p:cxnSp>
+      <p:sp>
+        <p:nvSpPr>
+          <p:cNvPr id="3" name="Content Placeholder 2">
+            <a:extLst>
+              <a:ext uri="{FF2B5EF4-FFF2-40B4-BE49-F238E27FC236}">
+                <a16:creationId xmlns:a16="http://schemas.microsoft.com/office/drawing/2014/main" id="{C48AC59E-73F2-4EA0-95FA-73C64F4636CC}"/>
+              </a:ext>
+            </a:extLst>
+          </p:cNvPr>
+          <p:cNvSpPr>
+            <a:spLocks noGrp="1"/>
+          </p:cNvSpPr>
+          <p:nvPr>
+            <p:ph idx="1"/>
+          </p:nvPr>
+        </p:nvSpPr>
+        <p:spPr>
+          <a:xfrm>
+            <a:off x="643467" y="2546224"/>
+            <a:ext cx="3448259" cy="3342747"/>
+          </a:xfrm>
+        </p:spPr>
+        <p:txBody>
+          <a:bodyPr>
+            <a:normAutofit/>
+          </a:bodyPr>
+          <a:lstStyle/>
+          <a:p>
+            <a:r>
+              <a:rPr lang="en-US" sz="1800">
+                <a:solidFill>
+                  <a:srgbClr val="FFFFFF"/>
+                </a:solidFill>
+              </a:rPr>
+              <a:t>- Visual course designer</a:t>
+            </a:r>
+          </a:p>
+          <a:p>
+            <a:r>
+              <a:rPr lang="en-US" sz="1800">
+                <a:solidFill>
+                  <a:srgbClr val="FFFFFF"/>
+                </a:solidFill>
+              </a:rPr>
+              <a:t>- More options for terrain obstacles</a:t>
+            </a:r>
+          </a:p>
+          <a:p>
+            <a:r>
+              <a:rPr lang="en-US" sz="1800">
+                <a:solidFill>
+                  <a:srgbClr val="FFFFFF"/>
+                </a:solidFill>
+              </a:rPr>
+              <a:t>- Improved terrain rendering</a:t>
+            </a:r>
+          </a:p>
+          <a:p>
+            <a:r>
+              <a:rPr lang="en-US" sz="1800">
+                <a:solidFill>
+                  <a:srgbClr val="FFFFFF"/>
+                </a:solidFill>
+              </a:rPr>
+              <a:t>- Improved 3D UI</a:t>
+            </a:r>
+          </a:p>
+          <a:p>
+            <a:r>
+              <a:rPr lang="en-US" sz="1800">
+                <a:solidFill>
+                  <a:srgbClr val="FFFFFF"/>
+                </a:solidFill>
+              </a:rPr>
+              <a:t>- Music</a:t>
+            </a:r>
+          </a:p>
+          <a:p>
+            <a:r>
+              <a:rPr lang="en-US" sz="1800">
+                <a:solidFill>
+                  <a:srgbClr val="FFFFFF"/>
+                </a:solidFill>
+              </a:rPr>
+              <a:t>- Scoring board</a:t>
+            </a:r>
+            <a:endParaRPr lang="nl-NL" sz="1800">
+              <a:solidFill>
+                <a:srgbClr val="FFFFFF"/>
+              </a:solidFill>
+            </a:endParaRPr>
+          </a:p>
+        </p:txBody>
+      </p:sp>
+      <p:pic>
+        <p:nvPicPr>
+          <p:cNvPr id="5" name="Picture 4" descr="A close up of a logo&#10;&#10;Description automatically generated">
+            <a:extLst>
+              <a:ext uri="{FF2B5EF4-FFF2-40B4-BE49-F238E27FC236}">
+                <a16:creationId xmlns:a16="http://schemas.microsoft.com/office/drawing/2014/main" id="{7445BC08-7AAB-4DDF-ABB7-89E869387153}"/>
+              </a:ext>
+            </a:extLst>
+          </p:cNvPr>
+          <p:cNvPicPr>
+            <a:picLocks noChangeAspect="1"/>
+          </p:cNvPicPr>
+          <p:nvPr/>
+        </p:nvPicPr>
+        <p:blipFill rotWithShape="1">
+          <a:blip r:embed="rId2">
+            <a:extLst>
+              <a:ext uri="{28A0092B-C50C-407E-A947-70E740481C1C}">
+                <a14:useLocalDpi xmlns:a14="http://schemas.microsoft.com/office/drawing/2010/main" val="0"/>
+              </a:ext>
+              <a:ext uri="{837473B0-CC2E-450A-ABE3-18F120FF3D39}">
+                <a1611:picAttrSrcUrl xmlns:a1611="http://schemas.microsoft.com/office/drawing/2016/11/main" r:id="rId3"/>
+              </a:ext>
+            </a:extLst>
+          </a:blip>
+          <a:srcRect t="7245" r="-1" b="1772"/>
+          <a:stretch/>
+        </p:blipFill>
+        <p:spPr>
+          <a:xfrm>
+            <a:off x="4654296" y="10"/>
+            <a:ext cx="7537703" cy="6857990"/>
+          </a:xfrm>
+          <a:prstGeom prst="rect">
+            <a:avLst/>
+          </a:prstGeom>
+        </p:spPr>
+      </p:pic>
+    </p:spTree>
+    <p:extLst>
+      <p:ext uri="{BB962C8B-B14F-4D97-AF65-F5344CB8AC3E}">
+        <p14:creationId xmlns:p14="http://schemas.microsoft.com/office/powerpoint/2010/main" val="1899460244"/>
       </p:ext>
     </p:extLst>
   </p:cSld>

--- a/Crazy Putting Presentation.pptx
+++ b/Crazy Putting Presentation.pptx
@@ -11,7 +11,8 @@
     <p:sldId id="258" r:id="rId5"/>
     <p:sldId id="259" r:id="rId6"/>
     <p:sldId id="260" r:id="rId7"/>
-    <p:sldId id="262" r:id="rId8"/>
+    <p:sldId id="263" r:id="rId8"/>
+    <p:sldId id="262" r:id="rId9"/>
   </p:sldIdLst>
   <p:sldSz cx="12192000" cy="6858000"/>
   <p:notesSz cx="6858000" cy="9144000"/>
@@ -6073,6 +6074,423 @@
           <a:chExt cx="0" cy="0"/>
         </a:xfrm>
       </p:grpSpPr>
+      <p:sp useBgFill="1">
+        <p:nvSpPr>
+          <p:cNvPr id="25" name="Rectangle 19">
+            <a:extLst>
+              <a:ext uri="{FF2B5EF4-FFF2-40B4-BE49-F238E27FC236}">
+                <a16:creationId xmlns:a16="http://schemas.microsoft.com/office/drawing/2014/main" id="{B0E58038-8ACE-4AD9-B404-25C603550D83}"/>
+              </a:ext>
+              <a:ext uri="{C183D7F6-B498-43B3-948B-1728B52AA6E4}">
+                <adec:decorative xmlns:adec="http://schemas.microsoft.com/office/drawing/2017/decorative" val="1"/>
+              </a:ext>
+            </a:extLst>
+          </p:cNvPr>
+          <p:cNvSpPr>
+            <a:spLocks noGrp="1" noRot="1" noChangeAspect="1" noMove="1" noResize="1" noEditPoints="1" noAdjustHandles="1" noChangeArrowheads="1" noChangeShapeType="1" noTextEdit="1"/>
+          </p:cNvSpPr>
+          <p:nvPr>
+            <p:extLst>
+              <p:ext uri="{386F3935-93C4-4BCD-93E2-E3B085C9AB24}">
+                <p16:designElem xmlns:p16="http://schemas.microsoft.com/office/powerpoint/2015/main" val="1"/>
+              </p:ext>
+            </p:extLst>
+          </p:nvPr>
+        </p:nvSpPr>
+        <p:spPr>
+          <a:xfrm>
+            <a:off x="0" y="0"/>
+            <a:ext cx="12191999" cy="6858000"/>
+          </a:xfrm>
+          <a:prstGeom prst="rect">
+            <a:avLst/>
+          </a:prstGeom>
+          <a:ln>
+            <a:noFill/>
+          </a:ln>
+        </p:spPr>
+        <p:style>
+          <a:lnRef idx="2">
+            <a:schemeClr val="accent1">
+              <a:shade val="50000"/>
+            </a:schemeClr>
+          </a:lnRef>
+          <a:fillRef idx="1">
+            <a:schemeClr val="accent1"/>
+          </a:fillRef>
+          <a:effectRef idx="0">
+            <a:schemeClr val="accent1"/>
+          </a:effectRef>
+          <a:fontRef idx="minor">
+            <a:schemeClr val="lt1"/>
+          </a:fontRef>
+        </p:style>
+        <p:txBody>
+          <a:bodyPr rtlCol="0" anchor="ctr"/>
+          <a:lstStyle/>
+          <a:p>
+            <a:pPr algn="ctr"/>
+            <a:endParaRPr lang="en-US"/>
+          </a:p>
+        </p:txBody>
+      </p:sp>
+      <p:pic>
+        <p:nvPicPr>
+          <p:cNvPr id="13" name="Picture 12" descr="A picture containing computer, table&#10;&#10;Description automatically generated">
+            <a:extLst>
+              <a:ext uri="{FF2B5EF4-FFF2-40B4-BE49-F238E27FC236}">
+                <a16:creationId xmlns:a16="http://schemas.microsoft.com/office/drawing/2014/main" id="{2ACD0BD9-7561-4D03-9E89-56AC1DFAA664}"/>
+              </a:ext>
+            </a:extLst>
+          </p:cNvPr>
+          <p:cNvPicPr>
+            <a:picLocks noChangeAspect="1"/>
+          </p:cNvPicPr>
+          <p:nvPr/>
+        </p:nvPicPr>
+        <p:blipFill rotWithShape="1">
+          <a:blip r:embed="rId2">
+            <a:alphaModFix amt="35000"/>
+            <a:extLst>
+              <a:ext uri="{28A0092B-C50C-407E-A947-70E740481C1C}">
+                <a14:useLocalDpi xmlns:a14="http://schemas.microsoft.com/office/drawing/2010/main" val="0"/>
+              </a:ext>
+              <a:ext uri="{837473B0-CC2E-450A-ABE3-18F120FF3D39}">
+                <a1611:picAttrSrcUrl xmlns:a1611="http://schemas.microsoft.com/office/drawing/2016/11/main" r:id="rId3"/>
+              </a:ext>
+            </a:extLst>
+          </a:blip>
+          <a:srcRect/>
+          <a:stretch/>
+        </p:blipFill>
+        <p:spPr>
+          <a:xfrm>
+            <a:off x="20" y="10"/>
+            <a:ext cx="12191980" cy="6857990"/>
+          </a:xfrm>
+          <a:prstGeom prst="rect">
+            <a:avLst/>
+          </a:prstGeom>
+        </p:spPr>
+      </p:pic>
+      <p:sp>
+        <p:nvSpPr>
+          <p:cNvPr id="2" name="Title 1">
+            <a:extLst>
+              <a:ext uri="{FF2B5EF4-FFF2-40B4-BE49-F238E27FC236}">
+                <a16:creationId xmlns:a16="http://schemas.microsoft.com/office/drawing/2014/main" id="{B8C25FEF-8D8F-4024-8386-91B97D20E363}"/>
+              </a:ext>
+            </a:extLst>
+          </p:cNvPr>
+          <p:cNvSpPr>
+            <a:spLocks noGrp="1"/>
+          </p:cNvSpPr>
+          <p:nvPr>
+            <p:ph type="title"/>
+          </p:nvPr>
+        </p:nvSpPr>
+        <p:spPr>
+          <a:xfrm>
+            <a:off x="1097280" y="286603"/>
+            <a:ext cx="10058400" cy="1450757"/>
+          </a:xfrm>
+        </p:spPr>
+        <p:txBody>
+          <a:bodyPr>
+            <a:normAutofit/>
+          </a:bodyPr>
+          <a:lstStyle/>
+          <a:p>
+            <a:r>
+              <a:rPr lang="en-US"/>
+              <a:t>Difficulties</a:t>
+            </a:r>
+            <a:endParaRPr lang="nl-NL" dirty="0"/>
+          </a:p>
+        </p:txBody>
+      </p:sp>
+      <p:cxnSp>
+        <p:nvCxnSpPr>
+          <p:cNvPr id="26" name="Straight Connector 21">
+            <a:extLst>
+              <a:ext uri="{FF2B5EF4-FFF2-40B4-BE49-F238E27FC236}">
+                <a16:creationId xmlns:a16="http://schemas.microsoft.com/office/drawing/2014/main" id="{38A34772-9011-42B5-AA63-FD6DEC92EE72}"/>
+              </a:ext>
+              <a:ext uri="{C183D7F6-B498-43B3-948B-1728B52AA6E4}">
+                <adec:decorative xmlns:adec="http://schemas.microsoft.com/office/drawing/2017/decorative" val="1"/>
+              </a:ext>
+            </a:extLst>
+          </p:cNvPr>
+          <p:cNvCxnSpPr>
+            <a:cxnSpLocks noGrp="1" noRot="1" noChangeAspect="1" noMove="1" noResize="1" noEditPoints="1" noAdjustHandles="1" noChangeArrowheads="1" noChangeShapeType="1"/>
+          </p:cNvCxnSpPr>
+          <p:nvPr>
+            <p:extLst>
+              <p:ext uri="{386F3935-93C4-4BCD-93E2-E3B085C9AB24}">
+                <p16:designElem xmlns:p16="http://schemas.microsoft.com/office/powerpoint/2015/main" val="1"/>
+              </p:ext>
+            </p:extLst>
+          </p:nvPr>
+        </p:nvCxnSpPr>
+        <p:spPr>
+          <a:xfrm>
+            <a:off x="1193532" y="1910746"/>
+            <a:ext cx="9966960" cy="0"/>
+          </a:xfrm>
+          <a:prstGeom prst="line">
+            <a:avLst/>
+          </a:prstGeom>
+          <a:ln w="12700">
+            <a:solidFill>
+              <a:schemeClr val="tx1"/>
+            </a:solidFill>
+          </a:ln>
+        </p:spPr>
+        <p:style>
+          <a:lnRef idx="1">
+            <a:schemeClr val="accent1"/>
+          </a:lnRef>
+          <a:fillRef idx="0">
+            <a:schemeClr val="accent1"/>
+          </a:fillRef>
+          <a:effectRef idx="0">
+            <a:schemeClr val="accent1"/>
+          </a:effectRef>
+          <a:fontRef idx="minor">
+            <a:schemeClr val="tx1"/>
+          </a:fontRef>
+        </p:style>
+      </p:cxnSp>
+      <p:sp>
+        <p:nvSpPr>
+          <p:cNvPr id="3" name="Content Placeholder 2">
+            <a:extLst>
+              <a:ext uri="{FF2B5EF4-FFF2-40B4-BE49-F238E27FC236}">
+                <a16:creationId xmlns:a16="http://schemas.microsoft.com/office/drawing/2014/main" id="{548A1F1A-8264-45F0-A2CA-C5C06D5EE7FD}"/>
+              </a:ext>
+            </a:extLst>
+          </p:cNvPr>
+          <p:cNvSpPr>
+            <a:spLocks noGrp="1"/>
+          </p:cNvSpPr>
+          <p:nvPr>
+            <p:ph idx="1"/>
+          </p:nvPr>
+        </p:nvSpPr>
+        <p:spPr>
+          <a:xfrm>
+            <a:off x="1097280" y="2108201"/>
+            <a:ext cx="10058400" cy="3760891"/>
+          </a:xfrm>
+        </p:spPr>
+        <p:txBody>
+          <a:bodyPr>
+            <a:normAutofit/>
+          </a:bodyPr>
+          <a:lstStyle/>
+          <a:p>
+            <a:r>
+              <a:rPr lang="en-US"/>
+              <a:t>- Teamwork</a:t>
+            </a:r>
+          </a:p>
+          <a:p>
+            <a:r>
+              <a:rPr lang="en-US"/>
+              <a:t>- Setting up project structure</a:t>
+            </a:r>
+          </a:p>
+          <a:p>
+            <a:r>
+              <a:rPr lang="en-US"/>
+              <a:t>- Separate projects</a:t>
+            </a:r>
+          </a:p>
+          <a:p>
+            <a:r>
+              <a:rPr lang="en-US"/>
+              <a:t>- LibGdx</a:t>
+            </a:r>
+            <a:endParaRPr lang="nl-NL" dirty="0"/>
+          </a:p>
+        </p:txBody>
+      </p:sp>
+      <p:sp>
+        <p:nvSpPr>
+          <p:cNvPr id="24" name="Rectangle 23">
+            <a:extLst>
+              <a:ext uri="{FF2B5EF4-FFF2-40B4-BE49-F238E27FC236}">
+                <a16:creationId xmlns:a16="http://schemas.microsoft.com/office/drawing/2014/main" id="{82BCDE19-2810-4337-9C49-8589C421767D}"/>
+              </a:ext>
+              <a:ext uri="{C183D7F6-B498-43B3-948B-1728B52AA6E4}">
+                <adec:decorative xmlns:adec="http://schemas.microsoft.com/office/drawing/2017/decorative" val="1"/>
+              </a:ext>
+            </a:extLst>
+          </p:cNvPr>
+          <p:cNvSpPr>
+            <a:spLocks noGrp="1" noRot="1" noChangeAspect="1" noMove="1" noResize="1" noEditPoints="1" noAdjustHandles="1" noChangeArrowheads="1" noChangeShapeType="1" noTextEdit="1"/>
+          </p:cNvSpPr>
+          <p:nvPr>
+            <p:extLst>
+              <p:ext uri="{386F3935-93C4-4BCD-93E2-E3B085C9AB24}">
+                <p16:designElem xmlns:p16="http://schemas.microsoft.com/office/powerpoint/2015/main" val="1"/>
+              </p:ext>
+            </p:extLst>
+          </p:nvPr>
+        </p:nvSpPr>
+        <p:spPr>
+          <a:xfrm>
+            <a:off x="1" y="6400800"/>
+            <a:ext cx="12192000" cy="457200"/>
+          </a:xfrm>
+          <a:prstGeom prst="rect">
+            <a:avLst/>
+          </a:prstGeom>
+          <a:solidFill>
+            <a:srgbClr val="262626">
+              <a:alpha val="95000"/>
+            </a:srgbClr>
+          </a:solidFill>
+          <a:ln>
+            <a:noFill/>
+          </a:ln>
+        </p:spPr>
+        <p:style>
+          <a:lnRef idx="2">
+            <a:schemeClr val="accent1">
+              <a:shade val="50000"/>
+            </a:schemeClr>
+          </a:lnRef>
+          <a:fillRef idx="1">
+            <a:schemeClr val="accent1"/>
+          </a:fillRef>
+          <a:effectRef idx="0">
+            <a:schemeClr val="accent1"/>
+          </a:effectRef>
+          <a:fontRef idx="minor">
+            <a:schemeClr val="lt1"/>
+          </a:fontRef>
+        </p:style>
+      </p:sp>
+      <p:sp>
+        <p:nvSpPr>
+          <p:cNvPr id="15" name="TextBox 14">
+            <a:extLst>
+              <a:ext uri="{FF2B5EF4-FFF2-40B4-BE49-F238E27FC236}">
+                <a16:creationId xmlns:a16="http://schemas.microsoft.com/office/drawing/2014/main" id="{D58BC563-F34F-45F2-8772-ABBC3BFF6AF7}"/>
+              </a:ext>
+            </a:extLst>
+          </p:cNvPr>
+          <p:cNvSpPr txBox="1"/>
+          <p:nvPr/>
+        </p:nvSpPr>
+        <p:spPr>
+          <a:xfrm>
+            <a:off x="9697407" y="6657945"/>
+            <a:ext cx="2494593" cy="200055"/>
+          </a:xfrm>
+          <a:prstGeom prst="rect">
+            <a:avLst/>
+          </a:prstGeom>
+          <a:solidFill>
+            <a:srgbClr val="000000"/>
+          </a:solidFill>
+        </p:spPr>
+        <p:txBody>
+          <a:bodyPr wrap="none" rtlCol="0">
+            <a:spAutoFit/>
+          </a:bodyPr>
+          <a:lstStyle/>
+          <a:p>
+            <a:pPr algn="r">
+              <a:spcAft>
+                <a:spcPts val="600"/>
+              </a:spcAft>
+            </a:pPr>
+            <a:r>
+              <a:rPr lang="nl-NL" sz="700">
+                <a:solidFill>
+                  <a:srgbClr val="FFFFFF"/>
+                </a:solidFill>
+                <a:hlinkClick r:id="rId3" tooltip="https://www.peoplemattersglobal.com/news/corporate/80-managers-create-frustration-for-their-team-study-23237">
+                  <a:extLst>
+                    <a:ext uri="{A12FA001-AC4F-418D-AE19-62706E023703}">
+                      <ahyp:hlinkClr xmlns:ahyp="http://schemas.microsoft.com/office/drawing/2018/hyperlinkcolor" val="tx"/>
+                    </a:ext>
+                  </a:extLst>
+                </a:hlinkClick>
+              </a:rPr>
+              <a:t>This Photo</a:t>
+            </a:r>
+            <a:r>
+              <a:rPr lang="nl-NL" sz="700">
+                <a:solidFill>
+                  <a:srgbClr val="FFFFFF"/>
+                </a:solidFill>
+              </a:rPr>
+              <a:t> by Unknown Author is licensed under </a:t>
+            </a:r>
+            <a:r>
+              <a:rPr lang="nl-NL" sz="700">
+                <a:solidFill>
+                  <a:srgbClr val="FFFFFF"/>
+                </a:solidFill>
+                <a:hlinkClick r:id="rId4" tooltip="https://creativecommons.org/licenses/by-nc-sa/3.0/">
+                  <a:extLst>
+                    <a:ext uri="{A12FA001-AC4F-418D-AE19-62706E023703}">
+                      <ahyp:hlinkClr xmlns:ahyp="http://schemas.microsoft.com/office/drawing/2018/hyperlinkcolor" val="tx"/>
+                    </a:ext>
+                  </a:extLst>
+                </a:hlinkClick>
+              </a:rPr>
+              <a:t>CC BY-SA-NC</a:t>
+            </a:r>
+            <a:endParaRPr lang="nl-NL" sz="700">
+              <a:solidFill>
+                <a:srgbClr val="FFFFFF"/>
+              </a:solidFill>
+            </a:endParaRPr>
+          </a:p>
+        </p:txBody>
+      </p:sp>
+    </p:spTree>
+    <p:extLst>
+      <p:ext uri="{BB962C8B-B14F-4D97-AF65-F5344CB8AC3E}">
+        <p14:creationId xmlns:p14="http://schemas.microsoft.com/office/powerpoint/2010/main" val="2818171979"/>
+      </p:ext>
+    </p:extLst>
+  </p:cSld>
+  <p:clrMapOvr>
+    <a:overrideClrMapping bg1="dk1" tx1="lt1" bg2="dk2" tx2="lt2" accent1="accent1" accent2="accent2" accent3="accent3" accent4="accent4" accent5="accent5" accent6="accent6" hlink="hlink" folHlink="folHlink"/>
+  </p:clrMapOvr>
+</p:sld>
+</file>
+
+<file path=ppt/slides/slide8.xml><?xml version="1.0" encoding="utf-8"?>
+<p:sld xmlns:a="http://schemas.openxmlformats.org/drawingml/2006/main" xmlns:r="http://schemas.openxmlformats.org/officeDocument/2006/relationships" xmlns:p="http://schemas.openxmlformats.org/presentationml/2006/main">
+  <p:cSld>
+    <p:bg>
+      <p:bgPr>
+        <a:solidFill>
+          <a:schemeClr val="bg1"/>
+        </a:solidFill>
+        <a:effectLst/>
+      </p:bgPr>
+    </p:bg>
+    <p:spTree>
+      <p:nvGrpSpPr>
+        <p:cNvPr id="1" name=""/>
+        <p:cNvGrpSpPr/>
+        <p:nvPr/>
+      </p:nvGrpSpPr>
+      <p:grpSpPr>
+        <a:xfrm>
+          <a:off x="0" y="0"/>
+          <a:ext cx="0" cy="0"/>
+          <a:chOff x="0" y="0"/>
+          <a:chExt cx="0" cy="0"/>
+        </a:xfrm>
+      </p:grpSpPr>
       <p:sp>
         <p:nvSpPr>
           <p:cNvPr id="10" name="Rectangle 9">

--- a/Crazy Putting Presentation.pptx
+++ b/Crazy Putting Presentation.pptx
@@ -6666,12 +6666,80 @@
         </p:spPr>
         <p:txBody>
           <a:bodyPr>
-            <a:normAutofit/>
+            <a:normAutofit fontScale="62500" lnSpcReduction="20000"/>
           </a:bodyPr>
           <a:lstStyle/>
           <a:p>
             <a:r>
-              <a:rPr lang="en-US" sz="1800">
+              <a:rPr lang="en-US" sz="1800" dirty="0">
+                <a:solidFill>
+                  <a:srgbClr val="FFFFFF"/>
+                </a:solidFill>
+              </a:rPr>
+              <a:t>- Improved physics engine using the second-order </a:t>
+            </a:r>
+            <a:r>
+              <a:rPr lang="en-US" sz="1800" dirty="0" err="1">
+                <a:solidFill>
+                  <a:srgbClr val="FFFFFF"/>
+                </a:solidFill>
+              </a:rPr>
+              <a:t>Verlet</a:t>
+            </a:r>
+            <a:r>
+              <a:rPr lang="en-US" sz="1800" dirty="0">
+                <a:solidFill>
+                  <a:srgbClr val="FFFFFF"/>
+                </a:solidFill>
+              </a:rPr>
+              <a:t> solver and the classical 4</a:t>
+            </a:r>
+            <a:r>
+              <a:rPr lang="en-US" sz="1800" baseline="30000" dirty="0">
+                <a:solidFill>
+                  <a:srgbClr val="FFFFFF"/>
+                </a:solidFill>
+              </a:rPr>
+              <a:t>th</a:t>
+            </a:r>
+            <a:r>
+              <a:rPr lang="en-US" sz="1800" dirty="0">
+                <a:solidFill>
+                  <a:srgbClr val="FFFFFF"/>
+                </a:solidFill>
+              </a:rPr>
+              <a:t>-order Runge-</a:t>
+            </a:r>
+            <a:r>
+              <a:rPr lang="en-US" sz="1800" dirty="0" err="1">
+                <a:solidFill>
+                  <a:srgbClr val="FFFFFF"/>
+                </a:solidFill>
+              </a:rPr>
+              <a:t>Kutta</a:t>
+            </a:r>
+            <a:r>
+              <a:rPr lang="en-US" sz="1800" dirty="0">
+                <a:solidFill>
+                  <a:srgbClr val="FFFFFF"/>
+                </a:solidFill>
+              </a:rPr>
+              <a:t> solver</a:t>
+            </a:r>
+          </a:p>
+          <a:p>
+            <a:r>
+              <a:rPr lang="en-US" sz="1800" dirty="0">
+                <a:solidFill>
+                  <a:srgbClr val="FFFFFF"/>
+                </a:solidFill>
+              </a:rPr>
+              <a:t>- A bot that can consistently make a hole-in-one that has knowledge about the terrain</a:t>
+            </a:r>
+          </a:p>
+          <a:p>
+            <a:r>
+              <a:rPr lang="en-US" sz="1800" dirty="0">
                 <a:solidFill>
                   <a:srgbClr val="FFFFFF"/>
                 </a:solidFill>
@@ -6681,17 +6749,17 @@
           </a:p>
           <a:p>
             <a:r>
-              <a:rPr lang="en-US" sz="1800">
+              <a:rPr lang="en-US" sz="1800" dirty="0">
                 <a:solidFill>
                   <a:srgbClr val="FFFFFF"/>
                 </a:solidFill>
               </a:rPr>
-              <a:t>- More options for terrain obstacles</a:t>
-            </a:r>
-          </a:p>
-          <a:p>
-            <a:r>
-              <a:rPr lang="en-US" sz="1800">
+              <a:t>- More options for terrain obstacles (trees, sandbanks, improved water)</a:t>
+            </a:r>
+          </a:p>
+          <a:p>
+            <a:r>
+              <a:rPr lang="en-US" sz="1800" dirty="0">
                 <a:solidFill>
                   <a:srgbClr val="FFFFFF"/>
                 </a:solidFill>
@@ -6701,7 +6769,7 @@
           </a:p>
           <a:p>
             <a:r>
-              <a:rPr lang="en-US" sz="1800">
+              <a:rPr lang="en-US" sz="1800" dirty="0">
                 <a:solidFill>
                   <a:srgbClr val="FFFFFF"/>
                 </a:solidFill>
@@ -6711,7 +6779,7 @@
           </a:p>
           <a:p>
             <a:r>
-              <a:rPr lang="en-US" sz="1800">
+              <a:rPr lang="en-US" sz="1800" dirty="0">
                 <a:solidFill>
                   <a:srgbClr val="FFFFFF"/>
                 </a:solidFill>
@@ -6721,14 +6789,14 @@
           </a:p>
           <a:p>
             <a:r>
-              <a:rPr lang="en-US" sz="1800">
+              <a:rPr lang="en-US" sz="1800" dirty="0">
                 <a:solidFill>
                   <a:srgbClr val="FFFFFF"/>
                 </a:solidFill>
               </a:rPr>
               <a:t>- Scoring board</a:t>
             </a:r>
-            <a:endParaRPr lang="nl-NL" sz="1800">
+            <a:endParaRPr lang="nl-NL" sz="1800" dirty="0">
               <a:solidFill>
                 <a:srgbClr val="FFFFFF"/>
               </a:solidFill>

--- a/Crazy Putting Presentation.pptx
+++ b/Crazy Putting Presentation.pptx
@@ -5169,7 +5169,7 @@
       </p:grpSpPr>
       <p:sp>
         <p:nvSpPr>
-          <p:cNvPr id="47" name="Rectangle 46">
+          <p:cNvPr id="54" name="Rectangle 53">
             <a:extLst>
               <a:ext uri="{FF2B5EF4-FFF2-40B4-BE49-F238E27FC236}">
                 <a16:creationId xmlns:a16="http://schemas.microsoft.com/office/drawing/2014/main" id="{E844E128-FF69-4E9F-8327-6B504B3C5AE1}"/>
@@ -5240,8 +5240,8 @@
         </p:nvSpPr>
         <p:spPr>
           <a:xfrm>
-            <a:off x="643467" y="516835"/>
-            <a:ext cx="3448259" cy="1666501"/>
+            <a:off x="1097280" y="516835"/>
+            <a:ext cx="5977937" cy="1666501"/>
           </a:xfrm>
         </p:spPr>
         <p:txBody>
@@ -5263,7 +5263,7 @@
       </p:sp>
       <p:cxnSp>
         <p:nvCxnSpPr>
-          <p:cNvPr id="49" name="Straight Connector 48">
+          <p:cNvPr id="56" name="Straight Connector 55">
             <a:extLst>
               <a:ext uri="{FF2B5EF4-FFF2-40B4-BE49-F238E27FC236}">
                 <a16:creationId xmlns:a16="http://schemas.microsoft.com/office/drawing/2014/main" id="{055CEADF-09EA-423C-8C45-F94AF44D5AF0}"/>
@@ -5286,8 +5286,8 @@
         </p:nvCxnSpPr>
         <p:spPr>
           <a:xfrm>
-            <a:off x="723686" y="2353592"/>
-            <a:ext cx="3291840" cy="0"/>
+            <a:off x="1215896" y="2353592"/>
+            <a:ext cx="5303520" cy="0"/>
           </a:xfrm>
           <a:prstGeom prst="line">
             <a:avLst/>
@@ -5331,8 +5331,8 @@
         </p:nvSpPr>
         <p:spPr>
           <a:xfrm>
-            <a:off x="643467" y="2546224"/>
-            <a:ext cx="3448259" cy="3342747"/>
+            <a:off x="1097279" y="2546224"/>
+            <a:ext cx="5977938" cy="3342747"/>
           </a:xfrm>
         </p:spPr>
         <p:txBody>
@@ -5368,6 +5368,16 @@
                 </a:solidFill>
               </a:rPr>
               <a:t>- Shaders for coloring</a:t>
+            </a:r>
+          </a:p>
+          <a:p>
+            <a:r>
+              <a:rPr lang="en-US" sz="1800" dirty="0">
+                <a:solidFill>
+                  <a:srgbClr val="FFFFFF"/>
+                </a:solidFill>
+              </a:rPr>
+              <a:t>- 3D objects for ball and goal</a:t>
             </a:r>
           </a:p>
           <a:p>
@@ -5404,13 +5414,48 @@
               </a:ext>
             </a:extLst>
           </a:blip>
-          <a:srcRect l="18586" r="19589"/>
+          <a:srcRect l="11424" r="12429" b="1"/>
           <a:stretch/>
         </p:blipFill>
         <p:spPr>
           <a:xfrm>
-            <a:off x="4654296" y="10"/>
-            <a:ext cx="7537703" cy="6857990"/>
+            <a:off x="7611900" y="-10230"/>
+            <a:ext cx="4580098" cy="3383279"/>
+          </a:xfrm>
+          <a:prstGeom prst="rect">
+            <a:avLst/>
+          </a:prstGeom>
+        </p:spPr>
+      </p:pic>
+      <p:pic>
+        <p:nvPicPr>
+          <p:cNvPr id="4" name="Picture 3" descr="A picture containing computer, laptop&#10;&#10;Description automatically generated">
+            <a:extLst>
+              <a:ext uri="{FF2B5EF4-FFF2-40B4-BE49-F238E27FC236}">
+                <a16:creationId xmlns:a16="http://schemas.microsoft.com/office/drawing/2014/main" id="{526ECB9D-3D60-43AA-9E18-78966781DE48}"/>
+              </a:ext>
+            </a:extLst>
+          </p:cNvPr>
+          <p:cNvPicPr>
+            <a:picLocks noChangeAspect="1"/>
+          </p:cNvPicPr>
+          <p:nvPr/>
+        </p:nvPicPr>
+        <p:blipFill rotWithShape="1">
+          <a:blip r:embed="rId4">
+            <a:extLst>
+              <a:ext uri="{28A0092B-C50C-407E-A947-70E740481C1C}">
+                <a14:useLocalDpi xmlns:a14="http://schemas.microsoft.com/office/drawing/2010/main" val="0"/>
+              </a:ext>
+            </a:extLst>
+          </a:blip>
+          <a:srcRect t="1508" r="-2" b="-2"/>
+          <a:stretch/>
+        </p:blipFill>
+        <p:spPr>
+          <a:xfrm>
+            <a:off x="7611904" y="3474718"/>
+            <a:ext cx="4580097" cy="3383280"/>
           </a:xfrm>
           <a:prstGeom prst="rect">
             <a:avLst/>
@@ -6290,28 +6335,47 @@
           <a:lstStyle/>
           <a:p>
             <a:r>
-              <a:rPr lang="en-US"/>
+              <a:rPr lang="en-US" dirty="0"/>
               <a:t>- Teamwork</a:t>
             </a:r>
           </a:p>
           <a:p>
             <a:r>
-              <a:rPr lang="en-US"/>
+              <a:rPr lang="en-US" dirty="0"/>
               <a:t>- Setting up project structure</a:t>
             </a:r>
           </a:p>
           <a:p>
             <a:r>
-              <a:rPr lang="en-US"/>
+              <a:rPr lang="en-US" dirty="0"/>
               <a:t>- Separate projects</a:t>
             </a:r>
           </a:p>
           <a:p>
             <a:r>
-              <a:rPr lang="en-US"/>
-              <a:t>- LibGdx</a:t>
+              <a:rPr lang="en-US" dirty="0"/>
+              <a:t>- </a:t>
+            </a:r>
+            <a:r>
+              <a:rPr lang="en-US" dirty="0" err="1"/>
+              <a:t>LibGdx</a:t>
             </a:r>
             <a:endParaRPr lang="nl-NL" dirty="0"/>
+          </a:p>
+          <a:p>
+            <a:r>
+              <a:rPr lang="nl-NL" dirty="0"/>
+              <a:t>- General </a:t>
+            </a:r>
+            <a:r>
+              <a:rPr lang="nl-NL" dirty="0" err="1"/>
+              <a:t>lack</a:t>
+            </a:r>
+            <a:r>
+              <a:rPr lang="nl-NL" dirty="0"/>
+              <a:t> of time</a:t>
+            </a:r>
+            <a:endParaRPr lang="en-US" dirty="0"/>
           </a:p>
         </p:txBody>
       </p:sp>
@@ -6575,14 +6639,14 @@
           <a:lstStyle/>
           <a:p>
             <a:r>
-              <a:rPr lang="en-US" sz="3700">
+              <a:rPr lang="en-US" sz="3700" dirty="0">
                 <a:solidFill>
                   <a:srgbClr val="FFFFFF"/>
                 </a:solidFill>
               </a:rPr>
-              <a:t>Improvements</a:t>
-            </a:r>
-            <a:endParaRPr lang="nl-NL" sz="3700">
+              <a:t>Improvements and features for phase 2</a:t>
+            </a:r>
+            <a:endParaRPr lang="nl-NL" sz="3700" dirty="0">
               <a:solidFill>
                 <a:srgbClr val="FFFFFF"/>
               </a:solidFill>
@@ -6661,7 +6725,7 @@
         <p:spPr>
           <a:xfrm>
             <a:off x="643467" y="2546224"/>
-            <a:ext cx="3448259" cy="3342747"/>
+            <a:ext cx="3448259" cy="4144716"/>
           </a:xfrm>
         </p:spPr>
         <p:txBody>
@@ -6676,6 +6740,44 @@
                   <a:srgbClr val="FFFFFF"/>
                 </a:solidFill>
               </a:rPr>
+              <a:t>- Re-do </a:t>
+            </a:r>
+            <a:r>
+              <a:rPr lang="en-US" sz="1800">
+                <a:solidFill>
+                  <a:srgbClr val="FFFFFF"/>
+                </a:solidFill>
+              </a:rPr>
+              <a:t>project structure</a:t>
+            </a:r>
+          </a:p>
+          <a:p>
+            <a:r>
+              <a:rPr lang="en-US" sz="1800" dirty="0">
+                <a:solidFill>
+                  <a:srgbClr val="FFFFFF"/>
+                </a:solidFill>
+              </a:rPr>
+              <a:t>- Finish the connection between the UI and the back-end</a:t>
+            </a:r>
+          </a:p>
+          <a:p>
+            <a:r>
+              <a:rPr lang="en-US" sz="1800" dirty="0">
+                <a:solidFill>
+                  <a:srgbClr val="FFFFFF"/>
+                </a:solidFill>
+              </a:rPr>
+              <a:t>- Refactor the code to make it easier to expand on it</a:t>
+            </a:r>
+          </a:p>
+          <a:p>
+            <a:r>
+              <a:rPr lang="en-US" sz="1800" dirty="0">
+                <a:solidFill>
+                  <a:srgbClr val="FFFFFF"/>
+                </a:solidFill>
+              </a:rPr>
               <a:t>- Improved physics engine using the second-order </a:t>
             </a:r>
             <a:r>
@@ -6774,7 +6876,7 @@
                   <a:srgbClr val="FFFFFF"/>
                 </a:solidFill>
               </a:rPr>
-              <a:t>- Improved 3D UI</a:t>
+              <a:t>- Improved/expanded 3D UI (show a preview of the ball reset when hitting water and the direction that you’re shooting the ball in)</a:t>
             </a:r>
           </a:p>
           <a:p>
@@ -6786,21 +6888,6 @@
               </a:rPr>
               <a:t>- Music</a:t>
             </a:r>
-          </a:p>
-          <a:p>
-            <a:r>
-              <a:rPr lang="en-US" sz="1800" dirty="0">
-                <a:solidFill>
-                  <a:srgbClr val="FFFFFF"/>
-                </a:solidFill>
-              </a:rPr>
-              <a:t>- Scoring board</a:t>
-            </a:r>
-            <a:endParaRPr lang="nl-NL" sz="1800" dirty="0">
-              <a:solidFill>
-                <a:srgbClr val="FFFFFF"/>
-              </a:solidFill>
-            </a:endParaRPr>
           </a:p>
         </p:txBody>
       </p:sp>
